--- a/2조 프로젝트 결과보고서.pptx
+++ b/2조 프로젝트 결과보고서.pptx
@@ -3991,7 +3991,7 @@
                   <a14:useLocalDpi xmlns:a14="http://schemas.microsoft.com/office/drawing/2010/main"/>
                 </a:ext>
                 <a:ext uri="{96DAC541-7B7A-43D3-8B79-37D633B846F1}">
-                  <asvg:svgBlip xmlns:asvg="http://schemas.microsoft.com/office/drawing/2016/SVG/main" r:embed="rId4"/>
+                  <asvg:svgBlip xmlns:asvg="http://schemas.microsoft.com/office/drawing/2016/SVG/main" xmlns="" r:embed="rId4"/>
                 </a:ext>
               </a:extLst>
             </a:blip>
@@ -4028,7 +4028,7 @@
           <a:blip r:embed="rId5">
             <a:extLst>
               <a:ext uri="{96DAC541-7B7A-43D3-8B79-37D633B846F1}">
-                <asvg:svgBlip xmlns:asvg="http://schemas.microsoft.com/office/drawing/2016/SVG/main" r:embed="rId6"/>
+                <asvg:svgBlip xmlns:asvg="http://schemas.microsoft.com/office/drawing/2016/SVG/main" xmlns="" r:embed="rId6"/>
               </a:ext>
             </a:extLst>
           </a:blip>
@@ -4067,7 +4067,7 @@
                 <a14:useLocalDpi xmlns:a14="http://schemas.microsoft.com/office/drawing/2010/main" val="0"/>
               </a:ext>
               <a:ext uri="{96DAC541-7B7A-43D3-8B79-37D633B846F1}">
-                <asvg:svgBlip xmlns:asvg="http://schemas.microsoft.com/office/drawing/2016/SVG/main" r:embed="rId8"/>
+                <asvg:svgBlip xmlns:asvg="http://schemas.microsoft.com/office/drawing/2016/SVG/main" xmlns="" r:embed="rId8"/>
               </a:ext>
             </a:extLst>
           </a:blip>
@@ -4122,7 +4122,7 @@
             <a:blip r:embed="rId9">
               <a:extLst>
                 <a:ext uri="{96DAC541-7B7A-43D3-8B79-37D633B846F1}">
-                  <asvg:svgBlip xmlns:asvg="http://schemas.microsoft.com/office/drawing/2016/SVG/main" r:embed="rId10"/>
+                  <asvg:svgBlip xmlns:asvg="http://schemas.microsoft.com/office/drawing/2016/SVG/main" xmlns="" r:embed="rId10"/>
                 </a:ext>
               </a:extLst>
             </a:blip>
@@ -6248,42 +6248,6 @@
           <a:chExt cx="0" cy="0"/>
         </a:xfrm>
       </p:grpSpPr>
-      <p:pic>
-        <p:nvPicPr>
-          <p:cNvPr id="99" name="그래픽 98">
-            <a:extLst>
-              <a:ext uri="{FF2B5EF4-FFF2-40B4-BE49-F238E27FC236}">
-                <a16:creationId xmlns:a16="http://schemas.microsoft.com/office/drawing/2014/main" id="{F903AA09-02EA-76CC-8175-834ABC7B3E7D}"/>
-              </a:ext>
-            </a:extLst>
-          </p:cNvPr>
-          <p:cNvPicPr>
-            <a:picLocks noChangeAspect="1"/>
-          </p:cNvPicPr>
-          <p:nvPr/>
-        </p:nvPicPr>
-        <p:blipFill>
-          <a:blip r:embed="rId2">
-            <a:extLst>
-              <a:ext uri="{96DAC541-7B7A-43D3-8B79-37D633B846F1}">
-                <asvg:svgBlip xmlns:asvg="http://schemas.microsoft.com/office/drawing/2016/SVG/main" r:embed="rId3"/>
-              </a:ext>
-            </a:extLst>
-          </a:blip>
-          <a:stretch>
-            <a:fillRect/>
-          </a:stretch>
-        </p:blipFill>
-        <p:spPr>
-          <a:xfrm>
-            <a:off x="0" y="0"/>
-            <a:ext cx="12192000" cy="6858000"/>
-          </a:xfrm>
-          <a:prstGeom prst="rect">
-            <a:avLst/>
-          </a:prstGeom>
-        </p:spPr>
-      </p:pic>
       <p:sp>
         <p:nvSpPr>
           <p:cNvPr id="39" name="사각형: 둥근 한쪽 모서리 38">
@@ -6866,7 +6830,7 @@
           <p:nvPr/>
         </p:nvPicPr>
         <p:blipFill rotWithShape="1">
-          <a:blip r:embed="rId4" cstate="print">
+          <a:blip r:embed="rId2" cstate="print">
             <a:duotone>
               <a:schemeClr val="accent5">
                 <a:shade val="45000"/>
@@ -6929,7 +6893,7 @@
             <p:nvPr/>
           </p:nvPicPr>
           <p:blipFill>
-            <a:blip r:embed="rId5" cstate="hqprint">
+            <a:blip r:embed="rId3" cstate="hqprint">
               <a:extLst>
                 <a:ext uri="{28A0092B-C50C-407E-A947-70E740481C1C}">
                   <a14:useLocalDpi xmlns:a14="http://schemas.microsoft.com/office/drawing/2010/main" val="0"/>
@@ -6976,13 +6940,13 @@
             <p:nvPr/>
           </p:nvPicPr>
           <p:blipFill>
-            <a:blip r:embed="rId6" cstate="print">
+            <a:blip r:embed="rId4" cstate="print">
               <a:extLst>
                 <a:ext uri="{28A0092B-C50C-407E-A947-70E740481C1C}">
                   <a14:useLocalDpi xmlns:a14="http://schemas.microsoft.com/office/drawing/2010/main"/>
                 </a:ext>
                 <a:ext uri="{96DAC541-7B7A-43D3-8B79-37D633B846F1}">
-                  <asvg:svgBlip xmlns:asvg="http://schemas.microsoft.com/office/drawing/2016/SVG/main" r:embed="rId7"/>
+                  <asvg:svgBlip xmlns:asvg="http://schemas.microsoft.com/office/drawing/2016/SVG/main" xmlns="" r:embed="rId7"/>
                 </a:ext>
               </a:extLst>
             </a:blip>
@@ -7393,42 +7357,65 @@
           <a:chExt cx="0" cy="0"/>
         </a:xfrm>
       </p:grpSpPr>
-      <p:pic>
-        <p:nvPicPr>
-          <p:cNvPr id="99" name="그래픽 98">
+      <p:sp>
+        <p:nvSpPr>
+          <p:cNvPr id="19" name="사각형: 둥근 한쪽 모서리 38">
             <a:extLst>
               <a:ext uri="{FF2B5EF4-FFF2-40B4-BE49-F238E27FC236}">
-                <a16:creationId xmlns:a16="http://schemas.microsoft.com/office/drawing/2014/main" id="{F903AA09-02EA-76CC-8175-834ABC7B3E7D}"/>
+                <a16:creationId xmlns:a16="http://schemas.microsoft.com/office/drawing/2014/main" id="{5EADE06A-9DBC-11A8-5DF5-38CF63ECD050}"/>
               </a:ext>
             </a:extLst>
           </p:cNvPr>
-          <p:cNvPicPr>
-            <a:picLocks noChangeAspect="1"/>
-          </p:cNvPicPr>
+          <p:cNvSpPr/>
           <p:nvPr/>
-        </p:nvPicPr>
-        <p:blipFill>
-          <a:blip r:embed="rId2">
-            <a:extLst>
-              <a:ext uri="{96DAC541-7B7A-43D3-8B79-37D633B846F1}">
-                <asvg:svgBlip xmlns:asvg="http://schemas.microsoft.com/office/drawing/2016/SVG/main" r:embed="rId3"/>
-              </a:ext>
-            </a:extLst>
-          </a:blip>
-          <a:stretch>
-            <a:fillRect/>
-          </a:stretch>
-        </p:blipFill>
+        </p:nvSpPr>
         <p:spPr>
-          <a:xfrm>
-            <a:off x="0" y="0"/>
-            <a:ext cx="12192000" cy="6858000"/>
+          <a:xfrm flipH="1" flipV="1">
+            <a:off x="174170" y="70719"/>
+            <a:ext cx="12017829" cy="1221051"/>
           </a:xfrm>
-          <a:prstGeom prst="rect">
-            <a:avLst/>
+          <a:prstGeom prst="round1Rect">
+            <a:avLst>
+              <a:gd name="adj" fmla="val 23799"/>
+            </a:avLst>
           </a:prstGeom>
+          <a:solidFill>
+            <a:schemeClr val="bg1">
+              <a:lumMod val="95000"/>
+              <a:alpha val="50000"/>
+            </a:schemeClr>
+          </a:solidFill>
+          <a:ln w="10818" cap="flat">
+            <a:noFill/>
+            <a:prstDash val="solid"/>
+            <a:miter/>
+          </a:ln>
         </p:spPr>
-      </p:pic>
+        <p:style>
+          <a:lnRef idx="2">
+            <a:schemeClr val="accent1">
+              <a:shade val="15000"/>
+            </a:schemeClr>
+          </a:lnRef>
+          <a:fillRef idx="1">
+            <a:schemeClr val="accent1"/>
+          </a:fillRef>
+          <a:effectRef idx="0">
+            <a:schemeClr val="accent1"/>
+          </a:effectRef>
+          <a:fontRef idx="minor">
+            <a:schemeClr val="lt1"/>
+          </a:fontRef>
+        </p:style>
+        <p:txBody>
+          <a:bodyPr rtlCol="0" anchor="ctr"/>
+          <a:lstStyle/>
+          <a:p>
+            <a:pPr algn="ctr"/>
+            <a:endParaRPr lang="ko-KR" altLang="en-US"/>
+          </a:p>
+        </p:txBody>
+      </p:sp>
       <p:grpSp>
         <p:nvGrpSpPr>
           <p:cNvPr id="3" name="그룹 2">
@@ -7952,7 +7939,7 @@
           <p:nvPr/>
         </p:nvPicPr>
         <p:blipFill rotWithShape="1">
-          <a:blip r:embed="rId4" cstate="print">
+          <a:blip r:embed="rId2" cstate="print">
             <a:duotone>
               <a:schemeClr val="accent5">
                 <a:shade val="45000"/>
@@ -8015,7 +8002,7 @@
             <p:nvPr/>
           </p:nvPicPr>
           <p:blipFill>
-            <a:blip r:embed="rId5" cstate="hqprint">
+            <a:blip r:embed="rId3" cstate="hqprint">
               <a:extLst>
                 <a:ext uri="{28A0092B-C50C-407E-A947-70E740481C1C}">
                   <a14:useLocalDpi xmlns:a14="http://schemas.microsoft.com/office/drawing/2010/main" val="0"/>
@@ -8062,13 +8049,13 @@
             <p:nvPr/>
           </p:nvPicPr>
           <p:blipFill>
-            <a:blip r:embed="rId6" cstate="print">
+            <a:blip r:embed="rId4" cstate="print">
               <a:extLst>
                 <a:ext uri="{28A0092B-C50C-407E-A947-70E740481C1C}">
                   <a14:useLocalDpi xmlns:a14="http://schemas.microsoft.com/office/drawing/2010/main"/>
                 </a:ext>
                 <a:ext uri="{96DAC541-7B7A-43D3-8B79-37D633B846F1}">
-                  <asvg:svgBlip xmlns:asvg="http://schemas.microsoft.com/office/drawing/2016/SVG/main" r:embed="rId7"/>
+                  <asvg:svgBlip xmlns:asvg="http://schemas.microsoft.com/office/drawing/2016/SVG/main" xmlns="" r:embed="rId7"/>
                 </a:ext>
               </a:extLst>
             </a:blip>
@@ -8500,42 +8487,65 @@
           <a:chExt cx="0" cy="0"/>
         </a:xfrm>
       </p:grpSpPr>
-      <p:pic>
-        <p:nvPicPr>
-          <p:cNvPr id="99" name="그래픽 98">
+      <p:sp>
+        <p:nvSpPr>
+          <p:cNvPr id="18" name="사각형: 둥근 한쪽 모서리 38">
             <a:extLst>
               <a:ext uri="{FF2B5EF4-FFF2-40B4-BE49-F238E27FC236}">
-                <a16:creationId xmlns:a16="http://schemas.microsoft.com/office/drawing/2014/main" id="{F903AA09-02EA-76CC-8175-834ABC7B3E7D}"/>
+                <a16:creationId xmlns:a16="http://schemas.microsoft.com/office/drawing/2014/main" id="{5EADE06A-9DBC-11A8-5DF5-38CF63ECD050}"/>
               </a:ext>
             </a:extLst>
           </p:cNvPr>
-          <p:cNvPicPr>
-            <a:picLocks noChangeAspect="1"/>
-          </p:cNvPicPr>
+          <p:cNvSpPr/>
           <p:nvPr/>
-        </p:nvPicPr>
-        <p:blipFill>
-          <a:blip r:embed="rId2">
-            <a:extLst>
-              <a:ext uri="{96DAC541-7B7A-43D3-8B79-37D633B846F1}">
-                <asvg:svgBlip xmlns:asvg="http://schemas.microsoft.com/office/drawing/2016/SVG/main" r:embed="rId3"/>
-              </a:ext>
-            </a:extLst>
-          </a:blip>
-          <a:stretch>
-            <a:fillRect/>
-          </a:stretch>
-        </p:blipFill>
+        </p:nvSpPr>
         <p:spPr>
-          <a:xfrm>
-            <a:off x="0" y="0"/>
-            <a:ext cx="12192000" cy="6858000"/>
+          <a:xfrm flipH="1" flipV="1">
+            <a:off x="174170" y="70719"/>
+            <a:ext cx="12017829" cy="1221051"/>
           </a:xfrm>
-          <a:prstGeom prst="rect">
-            <a:avLst/>
+          <a:prstGeom prst="round1Rect">
+            <a:avLst>
+              <a:gd name="adj" fmla="val 23799"/>
+            </a:avLst>
           </a:prstGeom>
+          <a:solidFill>
+            <a:schemeClr val="bg1">
+              <a:lumMod val="95000"/>
+              <a:alpha val="50000"/>
+            </a:schemeClr>
+          </a:solidFill>
+          <a:ln w="10818" cap="flat">
+            <a:noFill/>
+            <a:prstDash val="solid"/>
+            <a:miter/>
+          </a:ln>
         </p:spPr>
-      </p:pic>
+        <p:style>
+          <a:lnRef idx="2">
+            <a:schemeClr val="accent1">
+              <a:shade val="15000"/>
+            </a:schemeClr>
+          </a:lnRef>
+          <a:fillRef idx="1">
+            <a:schemeClr val="accent1"/>
+          </a:fillRef>
+          <a:effectRef idx="0">
+            <a:schemeClr val="accent1"/>
+          </a:effectRef>
+          <a:fontRef idx="minor">
+            <a:schemeClr val="lt1"/>
+          </a:fontRef>
+        </p:style>
+        <p:txBody>
+          <a:bodyPr rtlCol="0" anchor="ctr"/>
+          <a:lstStyle/>
+          <a:p>
+            <a:pPr algn="ctr"/>
+            <a:endParaRPr lang="ko-KR" altLang="en-US"/>
+          </a:p>
+        </p:txBody>
+      </p:sp>
       <p:grpSp>
         <p:nvGrpSpPr>
           <p:cNvPr id="3" name="그룹 2">
@@ -9059,7 +9069,7 @@
           <p:nvPr/>
         </p:nvPicPr>
         <p:blipFill rotWithShape="1">
-          <a:blip r:embed="rId4" cstate="print">
+          <a:blip r:embed="rId2" cstate="print">
             <a:duotone>
               <a:schemeClr val="accent5">
                 <a:shade val="45000"/>
@@ -9122,7 +9132,7 @@
             <p:nvPr/>
           </p:nvPicPr>
           <p:blipFill>
-            <a:blip r:embed="rId5" cstate="hqprint">
+            <a:blip r:embed="rId3" cstate="hqprint">
               <a:extLst>
                 <a:ext uri="{28A0092B-C50C-407E-A947-70E740481C1C}">
                   <a14:useLocalDpi xmlns:a14="http://schemas.microsoft.com/office/drawing/2010/main" val="0"/>
@@ -9169,13 +9179,13 @@
             <p:nvPr/>
           </p:nvPicPr>
           <p:blipFill>
-            <a:blip r:embed="rId6" cstate="print">
+            <a:blip r:embed="rId4" cstate="print">
               <a:extLst>
                 <a:ext uri="{28A0092B-C50C-407E-A947-70E740481C1C}">
                   <a14:useLocalDpi xmlns:a14="http://schemas.microsoft.com/office/drawing/2010/main"/>
                 </a:ext>
                 <a:ext uri="{96DAC541-7B7A-43D3-8B79-37D633B846F1}">
-                  <asvg:svgBlip xmlns:asvg="http://schemas.microsoft.com/office/drawing/2016/SVG/main" r:embed="rId7"/>
+                  <asvg:svgBlip xmlns:asvg="http://schemas.microsoft.com/office/drawing/2016/SVG/main" xmlns="" r:embed="rId7"/>
                 </a:ext>
               </a:extLst>
             </a:blip>
@@ -9607,42 +9617,6 @@
           <a:chExt cx="0" cy="0"/>
         </a:xfrm>
       </p:grpSpPr>
-      <p:pic>
-        <p:nvPicPr>
-          <p:cNvPr id="99" name="그래픽 98">
-            <a:extLst>
-              <a:ext uri="{FF2B5EF4-FFF2-40B4-BE49-F238E27FC236}">
-                <a16:creationId xmlns:a16="http://schemas.microsoft.com/office/drawing/2014/main" id="{F903AA09-02EA-76CC-8175-834ABC7B3E7D}"/>
-              </a:ext>
-            </a:extLst>
-          </p:cNvPr>
-          <p:cNvPicPr>
-            <a:picLocks noChangeAspect="1"/>
-          </p:cNvPicPr>
-          <p:nvPr/>
-        </p:nvPicPr>
-        <p:blipFill>
-          <a:blip r:embed="rId2">
-            <a:extLst>
-              <a:ext uri="{96DAC541-7B7A-43D3-8B79-37D633B846F1}">
-                <asvg:svgBlip xmlns:asvg="http://schemas.microsoft.com/office/drawing/2016/SVG/main" r:embed="rId3"/>
-              </a:ext>
-            </a:extLst>
-          </a:blip>
-          <a:stretch>
-            <a:fillRect/>
-          </a:stretch>
-        </p:blipFill>
-        <p:spPr>
-          <a:xfrm>
-            <a:off x="0" y="0"/>
-            <a:ext cx="12192000" cy="6858000"/>
-          </a:xfrm>
-          <a:prstGeom prst="rect">
-            <a:avLst/>
-          </a:prstGeom>
-        </p:spPr>
-      </p:pic>
       <p:sp>
         <p:nvSpPr>
           <p:cNvPr id="39" name="사각형: 둥근 한쪽 모서리 38">
@@ -10225,7 +10199,7 @@
           <p:nvPr/>
         </p:nvPicPr>
         <p:blipFill rotWithShape="1">
-          <a:blip r:embed="rId4" cstate="print">
+          <a:blip r:embed="rId2" cstate="print">
             <a:duotone>
               <a:schemeClr val="accent5">
                 <a:shade val="45000"/>
@@ -10288,7 +10262,7 @@
             <p:nvPr/>
           </p:nvPicPr>
           <p:blipFill>
-            <a:blip r:embed="rId5" cstate="hqprint">
+            <a:blip r:embed="rId3" cstate="hqprint">
               <a:extLst>
                 <a:ext uri="{28A0092B-C50C-407E-A947-70E740481C1C}">
                   <a14:useLocalDpi xmlns:a14="http://schemas.microsoft.com/office/drawing/2010/main" val="0"/>
@@ -10335,13 +10309,13 @@
             <p:nvPr/>
           </p:nvPicPr>
           <p:blipFill>
-            <a:blip r:embed="rId6" cstate="print">
+            <a:blip r:embed="rId4" cstate="print">
               <a:extLst>
                 <a:ext uri="{28A0092B-C50C-407E-A947-70E740481C1C}">
                   <a14:useLocalDpi xmlns:a14="http://schemas.microsoft.com/office/drawing/2010/main"/>
                 </a:ext>
                 <a:ext uri="{96DAC541-7B7A-43D3-8B79-37D633B846F1}">
-                  <asvg:svgBlip xmlns:asvg="http://schemas.microsoft.com/office/drawing/2016/SVG/main" r:embed="rId7"/>
+                  <asvg:svgBlip xmlns:asvg="http://schemas.microsoft.com/office/drawing/2016/SVG/main" xmlns="" r:embed="rId7"/>
                 </a:ext>
               </a:extLst>
             </a:blip>
@@ -10721,42 +10695,6 @@
           <a:chExt cx="0" cy="0"/>
         </a:xfrm>
       </p:grpSpPr>
-      <p:pic>
-        <p:nvPicPr>
-          <p:cNvPr id="99" name="그래픽 98">
-            <a:extLst>
-              <a:ext uri="{FF2B5EF4-FFF2-40B4-BE49-F238E27FC236}">
-                <a16:creationId xmlns:a16="http://schemas.microsoft.com/office/drawing/2014/main" id="{F903AA09-02EA-76CC-8175-834ABC7B3E7D}"/>
-              </a:ext>
-            </a:extLst>
-          </p:cNvPr>
-          <p:cNvPicPr>
-            <a:picLocks noChangeAspect="1"/>
-          </p:cNvPicPr>
-          <p:nvPr/>
-        </p:nvPicPr>
-        <p:blipFill>
-          <a:blip r:embed="rId2">
-            <a:extLst>
-              <a:ext uri="{96DAC541-7B7A-43D3-8B79-37D633B846F1}">
-                <asvg:svgBlip xmlns:asvg="http://schemas.microsoft.com/office/drawing/2016/SVG/main" r:embed="rId3"/>
-              </a:ext>
-            </a:extLst>
-          </a:blip>
-          <a:stretch>
-            <a:fillRect/>
-          </a:stretch>
-        </p:blipFill>
-        <p:spPr>
-          <a:xfrm>
-            <a:off x="0" y="0"/>
-            <a:ext cx="12192000" cy="6858000"/>
-          </a:xfrm>
-          <a:prstGeom prst="rect">
-            <a:avLst/>
-          </a:prstGeom>
-        </p:spPr>
-      </p:pic>
       <p:sp>
         <p:nvSpPr>
           <p:cNvPr id="39" name="사각형: 둥근 한쪽 모서리 38">
@@ -11339,7 +11277,7 @@
           <p:nvPr/>
         </p:nvPicPr>
         <p:blipFill rotWithShape="1">
-          <a:blip r:embed="rId4" cstate="print">
+          <a:blip r:embed="rId2" cstate="print">
             <a:duotone>
               <a:schemeClr val="accent5">
                 <a:shade val="45000"/>
@@ -11402,7 +11340,7 @@
             <p:nvPr/>
           </p:nvPicPr>
           <p:blipFill>
-            <a:blip r:embed="rId5" cstate="hqprint">
+            <a:blip r:embed="rId3" cstate="hqprint">
               <a:extLst>
                 <a:ext uri="{28A0092B-C50C-407E-A947-70E740481C1C}">
                   <a14:useLocalDpi xmlns:a14="http://schemas.microsoft.com/office/drawing/2010/main" val="0"/>
@@ -11449,13 +11387,13 @@
             <p:nvPr/>
           </p:nvPicPr>
           <p:blipFill>
-            <a:blip r:embed="rId6" cstate="print">
+            <a:blip r:embed="rId4" cstate="print">
               <a:extLst>
                 <a:ext uri="{28A0092B-C50C-407E-A947-70E740481C1C}">
                   <a14:useLocalDpi xmlns:a14="http://schemas.microsoft.com/office/drawing/2010/main"/>
                 </a:ext>
                 <a:ext uri="{96DAC541-7B7A-43D3-8B79-37D633B846F1}">
-                  <asvg:svgBlip xmlns:asvg="http://schemas.microsoft.com/office/drawing/2016/SVG/main" r:embed="rId7"/>
+                  <asvg:svgBlip xmlns:asvg="http://schemas.microsoft.com/office/drawing/2016/SVG/main" xmlns="" r:embed="rId7"/>
                 </a:ext>
               </a:extLst>
             </a:blip>
@@ -11931,42 +11869,6 @@
           <a:chExt cx="0" cy="0"/>
         </a:xfrm>
       </p:grpSpPr>
-      <p:pic>
-        <p:nvPicPr>
-          <p:cNvPr id="99" name="그래픽 98">
-            <a:extLst>
-              <a:ext uri="{FF2B5EF4-FFF2-40B4-BE49-F238E27FC236}">
-                <a16:creationId xmlns:a16="http://schemas.microsoft.com/office/drawing/2014/main" id="{F903AA09-02EA-76CC-8175-834ABC7B3E7D}"/>
-              </a:ext>
-            </a:extLst>
-          </p:cNvPr>
-          <p:cNvPicPr>
-            <a:picLocks noChangeAspect="1"/>
-          </p:cNvPicPr>
-          <p:nvPr/>
-        </p:nvPicPr>
-        <p:blipFill>
-          <a:blip r:embed="rId2">
-            <a:extLst>
-              <a:ext uri="{96DAC541-7B7A-43D3-8B79-37D633B846F1}">
-                <asvg:svgBlip xmlns:asvg="http://schemas.microsoft.com/office/drawing/2016/SVG/main" r:embed="rId3"/>
-              </a:ext>
-            </a:extLst>
-          </a:blip>
-          <a:stretch>
-            <a:fillRect/>
-          </a:stretch>
-        </p:blipFill>
-        <p:spPr>
-          <a:xfrm>
-            <a:off x="0" y="0"/>
-            <a:ext cx="12192000" cy="6858000"/>
-          </a:xfrm>
-          <a:prstGeom prst="rect">
-            <a:avLst/>
-          </a:prstGeom>
-        </p:spPr>
-      </p:pic>
       <p:sp>
         <p:nvSpPr>
           <p:cNvPr id="39" name="사각형: 둥근 한쪽 모서리 38">
@@ -12593,7 +12495,7 @@
           <p:nvPr/>
         </p:nvPicPr>
         <p:blipFill rotWithShape="1">
-          <a:blip r:embed="rId4" cstate="print">
+          <a:blip r:embed="rId2" cstate="print">
             <a:duotone>
               <a:schemeClr val="accent5">
                 <a:shade val="45000"/>
@@ -12656,7 +12558,7 @@
             <p:nvPr/>
           </p:nvPicPr>
           <p:blipFill>
-            <a:blip r:embed="rId5" cstate="hqprint">
+            <a:blip r:embed="rId3" cstate="hqprint">
               <a:extLst>
                 <a:ext uri="{28A0092B-C50C-407E-A947-70E740481C1C}">
                   <a14:useLocalDpi xmlns:a14="http://schemas.microsoft.com/office/drawing/2010/main" val="0"/>
@@ -12703,13 +12605,13 @@
             <p:nvPr/>
           </p:nvPicPr>
           <p:blipFill>
-            <a:blip r:embed="rId6" cstate="print">
+            <a:blip r:embed="rId4" cstate="print">
               <a:extLst>
                 <a:ext uri="{28A0092B-C50C-407E-A947-70E740481C1C}">
                   <a14:useLocalDpi xmlns:a14="http://schemas.microsoft.com/office/drawing/2010/main"/>
                 </a:ext>
                 <a:ext uri="{96DAC541-7B7A-43D3-8B79-37D633B846F1}">
-                  <asvg:svgBlip xmlns:asvg="http://schemas.microsoft.com/office/drawing/2016/SVG/main" r:embed="rId7"/>
+                  <asvg:svgBlip xmlns:asvg="http://schemas.microsoft.com/office/drawing/2016/SVG/main" xmlns="" r:embed="rId7"/>
                 </a:ext>
               </a:extLst>
             </a:blip>
@@ -12949,42 +12851,6 @@
           <a:chExt cx="0" cy="0"/>
         </a:xfrm>
       </p:grpSpPr>
-      <p:pic>
-        <p:nvPicPr>
-          <p:cNvPr id="99" name="그래픽 98">
-            <a:extLst>
-              <a:ext uri="{FF2B5EF4-FFF2-40B4-BE49-F238E27FC236}">
-                <a16:creationId xmlns:a16="http://schemas.microsoft.com/office/drawing/2014/main" id="{F903AA09-02EA-76CC-8175-834ABC7B3E7D}"/>
-              </a:ext>
-            </a:extLst>
-          </p:cNvPr>
-          <p:cNvPicPr>
-            <a:picLocks noChangeAspect="1"/>
-          </p:cNvPicPr>
-          <p:nvPr/>
-        </p:nvPicPr>
-        <p:blipFill>
-          <a:blip r:embed="rId2">
-            <a:extLst>
-              <a:ext uri="{96DAC541-7B7A-43D3-8B79-37D633B846F1}">
-                <asvg:svgBlip xmlns:asvg="http://schemas.microsoft.com/office/drawing/2016/SVG/main" r:embed="rId3"/>
-              </a:ext>
-            </a:extLst>
-          </a:blip>
-          <a:stretch>
-            <a:fillRect/>
-          </a:stretch>
-        </p:blipFill>
-        <p:spPr>
-          <a:xfrm>
-            <a:off x="0" y="0"/>
-            <a:ext cx="12192000" cy="6858000"/>
-          </a:xfrm>
-          <a:prstGeom prst="rect">
-            <a:avLst/>
-          </a:prstGeom>
-        </p:spPr>
-      </p:pic>
       <p:sp>
         <p:nvSpPr>
           <p:cNvPr id="39" name="사각형: 둥근 한쪽 모서리 38">
@@ -13567,7 +13433,7 @@
           <p:nvPr/>
         </p:nvPicPr>
         <p:blipFill rotWithShape="1">
-          <a:blip r:embed="rId4" cstate="print">
+          <a:blip r:embed="rId2" cstate="print">
             <a:duotone>
               <a:schemeClr val="accent5">
                 <a:shade val="45000"/>
@@ -13630,7 +13496,7 @@
             <p:nvPr/>
           </p:nvPicPr>
           <p:blipFill>
-            <a:blip r:embed="rId5" cstate="hqprint">
+            <a:blip r:embed="rId3" cstate="hqprint">
               <a:extLst>
                 <a:ext uri="{28A0092B-C50C-407E-A947-70E740481C1C}">
                   <a14:useLocalDpi xmlns:a14="http://schemas.microsoft.com/office/drawing/2010/main" val="0"/>
@@ -13677,13 +13543,13 @@
             <p:nvPr/>
           </p:nvPicPr>
           <p:blipFill>
-            <a:blip r:embed="rId6" cstate="print">
+            <a:blip r:embed="rId4" cstate="print">
               <a:extLst>
                 <a:ext uri="{28A0092B-C50C-407E-A947-70E740481C1C}">
                   <a14:useLocalDpi xmlns:a14="http://schemas.microsoft.com/office/drawing/2010/main"/>
                 </a:ext>
                 <a:ext uri="{96DAC541-7B7A-43D3-8B79-37D633B846F1}">
-                  <asvg:svgBlip xmlns:asvg="http://schemas.microsoft.com/office/drawing/2016/SVG/main" r:embed="rId7"/>
+                  <asvg:svgBlip xmlns:asvg="http://schemas.microsoft.com/office/drawing/2016/SVG/main" xmlns="" r:embed="rId7"/>
                 </a:ext>
               </a:extLst>
             </a:blip>
@@ -13750,7 +13616,7 @@
           <a:blip r:embed="rId2">
             <a:extLst>
               <a:ext uri="{96DAC541-7B7A-43D3-8B79-37D633B846F1}">
-                <asvg:svgBlip xmlns:asvg="http://schemas.microsoft.com/office/drawing/2016/SVG/main" r:embed="rId3"/>
+                <asvg:svgBlip xmlns:asvg="http://schemas.microsoft.com/office/drawing/2016/SVG/main" xmlns="" r:embed="rId3"/>
               </a:ext>
             </a:extLst>
           </a:blip>
@@ -14522,7 +14388,7 @@
                   <a14:useLocalDpi xmlns:a14="http://schemas.microsoft.com/office/drawing/2010/main"/>
                 </a:ext>
                 <a:ext uri="{96DAC541-7B7A-43D3-8B79-37D633B846F1}">
-                  <asvg:svgBlip xmlns:asvg="http://schemas.microsoft.com/office/drawing/2016/SVG/main" r:embed="rId7"/>
+                  <asvg:svgBlip xmlns:asvg="http://schemas.microsoft.com/office/drawing/2016/SVG/main" xmlns="" r:embed="rId7"/>
                 </a:ext>
               </a:extLst>
             </a:blip>
@@ -14625,7 +14491,7 @@
           <a:blip r:embed="rId2">
             <a:extLst>
               <a:ext uri="{96DAC541-7B7A-43D3-8B79-37D633B846F1}">
-                <asvg:svgBlip xmlns:asvg="http://schemas.microsoft.com/office/drawing/2016/SVG/main" r:embed="rId3"/>
+                <asvg:svgBlip xmlns:asvg="http://schemas.microsoft.com/office/drawing/2016/SVG/main" xmlns="" r:embed="rId3"/>
               </a:ext>
             </a:extLst>
           </a:blip>
@@ -19673,7 +19539,7 @@
                   <a14:useLocalDpi xmlns:a14="http://schemas.microsoft.com/office/drawing/2010/main"/>
                 </a:ext>
                 <a:ext uri="{96DAC541-7B7A-43D3-8B79-37D633B846F1}">
-                  <asvg:svgBlip xmlns:asvg="http://schemas.microsoft.com/office/drawing/2016/SVG/main" r:embed="rId7"/>
+                  <asvg:svgBlip xmlns:asvg="http://schemas.microsoft.com/office/drawing/2016/SVG/main" xmlns="" r:embed="rId7"/>
                 </a:ext>
               </a:extLst>
             </a:blip>
@@ -19987,7 +19853,7 @@
           <a:blip r:embed="rId2">
             <a:extLst>
               <a:ext uri="{96DAC541-7B7A-43D3-8B79-37D633B846F1}">
-                <asvg:svgBlip xmlns:asvg="http://schemas.microsoft.com/office/drawing/2016/SVG/main" r:embed="rId3"/>
+                <asvg:svgBlip xmlns:asvg="http://schemas.microsoft.com/office/drawing/2016/SVG/main" xmlns="" r:embed="rId3"/>
               </a:ext>
             </a:extLst>
           </a:blip>
@@ -20023,7 +19889,7 @@
           <a:blip r:embed="rId4">
             <a:extLst>
               <a:ext uri="{96DAC541-7B7A-43D3-8B79-37D633B846F1}">
-                <asvg:svgBlip xmlns:asvg="http://schemas.microsoft.com/office/drawing/2016/SVG/main" r:embed="rId5"/>
+                <asvg:svgBlip xmlns:asvg="http://schemas.microsoft.com/office/drawing/2016/SVG/main" xmlns="" r:embed="rId5"/>
               </a:ext>
             </a:extLst>
           </a:blip>
@@ -20058,7 +19924,7 @@
           <a:blip r:embed="rId6">
             <a:extLst>
               <a:ext uri="{96DAC541-7B7A-43D3-8B79-37D633B846F1}">
-                <asvg:svgBlip xmlns:asvg="http://schemas.microsoft.com/office/drawing/2016/SVG/main" r:embed="rId7"/>
+                <asvg:svgBlip xmlns:asvg="http://schemas.microsoft.com/office/drawing/2016/SVG/main" xmlns="" r:embed="rId7"/>
               </a:ext>
             </a:extLst>
           </a:blip>
@@ -20644,7 +20510,7 @@
           <p:spPr>
             <a:xfrm>
               <a:off x="758026" y="2900049"/>
-              <a:ext cx="5051965" cy="986489"/>
+              <a:ext cx="5051965" cy="1015663"/>
             </a:xfrm>
             <a:prstGeom prst="rect">
               <a:avLst/>
@@ -20805,7 +20671,26 @@
                   <a:latin typeface="+mj-ea"/>
                   <a:ea typeface="+mj-ea"/>
                 </a:rPr>
-                <a:t>8/10</a:t>
+                <a:t>9</a:t>
+              </a:r>
+              <a:r>
+                <a:rPr lang="en-US" altLang="ko-KR" sz="1600" dirty="0" smtClean="0">
+                  <a:ln>
+                    <a:solidFill>
+                      <a:schemeClr val="bg1">
+                        <a:alpha val="0"/>
+                      </a:schemeClr>
+                    </a:solidFill>
+                  </a:ln>
+                  <a:solidFill>
+                    <a:schemeClr val="bg2">
+                      <a:lumMod val="25000"/>
+                    </a:schemeClr>
+                  </a:solidFill>
+                  <a:latin typeface="+mj-ea"/>
+                  <a:ea typeface="+mj-ea"/>
+                </a:rPr>
+                <a:t>/10</a:t>
               </a:r>
               <a:endParaRPr lang="en-US" altLang="ko-KR" dirty="0">
                 <a:ln>
@@ -21620,7 +21505,7 @@
           <a:blip r:embed="rId9">
             <a:extLst>
               <a:ext uri="{96DAC541-7B7A-43D3-8B79-37D633B846F1}">
-                <asvg:svgBlip xmlns:asvg="http://schemas.microsoft.com/office/drawing/2016/SVG/main" r:embed="rId10"/>
+                <asvg:svgBlip xmlns:asvg="http://schemas.microsoft.com/office/drawing/2016/SVG/main" xmlns="" r:embed="rId10"/>
               </a:ext>
             </a:extLst>
           </a:blip>
@@ -21726,7 +21611,7 @@
                   <a14:useLocalDpi xmlns:a14="http://schemas.microsoft.com/office/drawing/2010/main"/>
                 </a:ext>
                 <a:ext uri="{96DAC541-7B7A-43D3-8B79-37D633B846F1}">
-                  <asvg:svgBlip xmlns:asvg="http://schemas.microsoft.com/office/drawing/2016/SVG/main" r:embed="rId13"/>
+                  <asvg:svgBlip xmlns:asvg="http://schemas.microsoft.com/office/drawing/2016/SVG/main" xmlns="" r:embed="rId13"/>
                 </a:ext>
               </a:extLst>
             </a:blip>
@@ -21840,7 +21725,7 @@
           <a:blip r:embed="rId2">
             <a:extLst>
               <a:ext uri="{96DAC541-7B7A-43D3-8B79-37D633B846F1}">
-                <asvg:svgBlip xmlns:asvg="http://schemas.microsoft.com/office/drawing/2016/SVG/main" r:embed="rId3"/>
+                <asvg:svgBlip xmlns:asvg="http://schemas.microsoft.com/office/drawing/2016/SVG/main" xmlns="" r:embed="rId3"/>
               </a:ext>
             </a:extLst>
           </a:blip>
@@ -21876,7 +21761,7 @@
           <a:blip r:embed="rId4">
             <a:extLst>
               <a:ext uri="{96DAC541-7B7A-43D3-8B79-37D633B846F1}">
-                <asvg:svgBlip xmlns:asvg="http://schemas.microsoft.com/office/drawing/2016/SVG/main" r:embed="rId5"/>
+                <asvg:svgBlip xmlns:asvg="http://schemas.microsoft.com/office/drawing/2016/SVG/main" xmlns="" r:embed="rId5"/>
               </a:ext>
             </a:extLst>
           </a:blip>
@@ -22802,7 +22687,7 @@
           <a:blip r:embed="rId6">
             <a:extLst>
               <a:ext uri="{96DAC541-7B7A-43D3-8B79-37D633B846F1}">
-                <asvg:svgBlip xmlns:asvg="http://schemas.microsoft.com/office/drawing/2016/SVG/main" r:embed="rId7"/>
+                <asvg:svgBlip xmlns:asvg="http://schemas.microsoft.com/office/drawing/2016/SVG/main" xmlns="" r:embed="rId7"/>
               </a:ext>
             </a:extLst>
           </a:blip>
@@ -22838,7 +22723,7 @@
           <a:blip r:embed="rId8">
             <a:extLst>
               <a:ext uri="{96DAC541-7B7A-43D3-8B79-37D633B846F1}">
-                <asvg:svgBlip xmlns:asvg="http://schemas.microsoft.com/office/drawing/2016/SVG/main" r:embed="rId9"/>
+                <asvg:svgBlip xmlns:asvg="http://schemas.microsoft.com/office/drawing/2016/SVG/main" xmlns="" r:embed="rId9"/>
               </a:ext>
             </a:extLst>
           </a:blip>
@@ -22874,7 +22759,7 @@
           <a:blip r:embed="rId10">
             <a:extLst>
               <a:ext uri="{96DAC541-7B7A-43D3-8B79-37D633B846F1}">
-                <asvg:svgBlip xmlns:asvg="http://schemas.microsoft.com/office/drawing/2016/SVG/main" r:embed="rId11"/>
+                <asvg:svgBlip xmlns:asvg="http://schemas.microsoft.com/office/drawing/2016/SVG/main" xmlns="" r:embed="rId11"/>
               </a:ext>
             </a:extLst>
           </a:blip>
@@ -22930,7 +22815,7 @@
             <a:blip r:embed="rId12">
               <a:extLst>
                 <a:ext uri="{96DAC541-7B7A-43D3-8B79-37D633B846F1}">
-                  <asvg:svgBlip xmlns:asvg="http://schemas.microsoft.com/office/drawing/2016/SVG/main" r:embed="rId13"/>
+                  <asvg:svgBlip xmlns:asvg="http://schemas.microsoft.com/office/drawing/2016/SVG/main" xmlns="" r:embed="rId13"/>
                 </a:ext>
               </a:extLst>
             </a:blip>
@@ -22966,7 +22851,7 @@
             <a:blip r:embed="rId14">
               <a:extLst>
                 <a:ext uri="{96DAC541-7B7A-43D3-8B79-37D633B846F1}">
-                  <asvg:svgBlip xmlns:asvg="http://schemas.microsoft.com/office/drawing/2016/SVG/main" r:embed="rId15"/>
+                  <asvg:svgBlip xmlns:asvg="http://schemas.microsoft.com/office/drawing/2016/SVG/main" xmlns="" r:embed="rId15"/>
                 </a:ext>
               </a:extLst>
             </a:blip>
@@ -23002,7 +22887,7 @@
             <a:blip r:embed="rId16">
               <a:extLst>
                 <a:ext uri="{96DAC541-7B7A-43D3-8B79-37D633B846F1}">
-                  <asvg:svgBlip xmlns:asvg="http://schemas.microsoft.com/office/drawing/2016/SVG/main" r:embed="rId17"/>
+                  <asvg:svgBlip xmlns:asvg="http://schemas.microsoft.com/office/drawing/2016/SVG/main" xmlns="" r:embed="rId17"/>
                 </a:ext>
               </a:extLst>
             </a:blip>
@@ -23038,7 +22923,7 @@
             <a:blip r:embed="rId18">
               <a:extLst>
                 <a:ext uri="{96DAC541-7B7A-43D3-8B79-37D633B846F1}">
-                  <asvg:svgBlip xmlns:asvg="http://schemas.microsoft.com/office/drawing/2016/SVG/main" r:embed="rId19"/>
+                  <asvg:svgBlip xmlns:asvg="http://schemas.microsoft.com/office/drawing/2016/SVG/main" xmlns="" r:embed="rId19"/>
                 </a:ext>
               </a:extLst>
             </a:blip>
@@ -23074,7 +22959,7 @@
             <a:blip r:embed="rId20">
               <a:extLst>
                 <a:ext uri="{96DAC541-7B7A-43D3-8B79-37D633B846F1}">
-                  <asvg:svgBlip xmlns:asvg="http://schemas.microsoft.com/office/drawing/2016/SVG/main" r:embed="rId21"/>
+                  <asvg:svgBlip xmlns:asvg="http://schemas.microsoft.com/office/drawing/2016/SVG/main" xmlns="" r:embed="rId21"/>
                 </a:ext>
               </a:extLst>
             </a:blip>
@@ -23141,7 +23026,7 @@
           <a:blip r:embed="rId2">
             <a:extLst>
               <a:ext uri="{96DAC541-7B7A-43D3-8B79-37D633B846F1}">
-                <asvg:svgBlip xmlns:asvg="http://schemas.microsoft.com/office/drawing/2016/SVG/main" r:embed="rId3"/>
+                <asvg:svgBlip xmlns:asvg="http://schemas.microsoft.com/office/drawing/2016/SVG/main" xmlns="" r:embed="rId3"/>
               </a:ext>
             </a:extLst>
           </a:blip>
@@ -23870,7 +23755,7 @@
           <a:blip r:embed="rId5">
             <a:extLst>
               <a:ext uri="{96DAC541-7B7A-43D3-8B79-37D633B846F1}">
-                <asvg:svgBlip xmlns:asvg="http://schemas.microsoft.com/office/drawing/2016/SVG/main" r:embed="rId6"/>
+                <asvg:svgBlip xmlns:asvg="http://schemas.microsoft.com/office/drawing/2016/SVG/main" xmlns="" r:embed="rId6"/>
               </a:ext>
             </a:extLst>
           </a:blip>
@@ -23905,7 +23790,7 @@
           <a:blip r:embed="rId7">
             <a:extLst>
               <a:ext uri="{96DAC541-7B7A-43D3-8B79-37D633B846F1}">
-                <asvg:svgBlip xmlns:asvg="http://schemas.microsoft.com/office/drawing/2016/SVG/main" r:embed="rId8"/>
+                <asvg:svgBlip xmlns:asvg="http://schemas.microsoft.com/office/drawing/2016/SVG/main" xmlns="" r:embed="rId8"/>
               </a:ext>
             </a:extLst>
           </a:blip>
@@ -23941,7 +23826,7 @@
           <a:blip r:embed="rId9">
             <a:extLst>
               <a:ext uri="{96DAC541-7B7A-43D3-8B79-37D633B846F1}">
-                <asvg:svgBlip xmlns:asvg="http://schemas.microsoft.com/office/drawing/2016/SVG/main" r:embed="rId10"/>
+                <asvg:svgBlip xmlns:asvg="http://schemas.microsoft.com/office/drawing/2016/SVG/main" xmlns="" r:embed="rId10"/>
               </a:ext>
             </a:extLst>
           </a:blip>
@@ -23977,7 +23862,7 @@
           <a:blip r:embed="rId11">
             <a:extLst>
               <a:ext uri="{96DAC541-7B7A-43D3-8B79-37D633B846F1}">
-                <asvg:svgBlip xmlns:asvg="http://schemas.microsoft.com/office/drawing/2016/SVG/main" r:embed="rId12"/>
+                <asvg:svgBlip xmlns:asvg="http://schemas.microsoft.com/office/drawing/2016/SVG/main" xmlns="" r:embed="rId12"/>
               </a:ext>
             </a:extLst>
           </a:blip>
@@ -24013,7 +23898,7 @@
           <a:blip r:embed="rId13">
             <a:extLst>
               <a:ext uri="{96DAC541-7B7A-43D3-8B79-37D633B846F1}">
-                <asvg:svgBlip xmlns:asvg="http://schemas.microsoft.com/office/drawing/2016/SVG/main" r:embed="rId14"/>
+                <asvg:svgBlip xmlns:asvg="http://schemas.microsoft.com/office/drawing/2016/SVG/main" xmlns="" r:embed="rId14"/>
               </a:ext>
             </a:extLst>
           </a:blip>
@@ -24048,7 +23933,7 @@
           <a:blip r:embed="rId15">
             <a:extLst>
               <a:ext uri="{96DAC541-7B7A-43D3-8B79-37D633B846F1}">
-                <asvg:svgBlip xmlns:asvg="http://schemas.microsoft.com/office/drawing/2016/SVG/main" r:embed="rId16"/>
+                <asvg:svgBlip xmlns:asvg="http://schemas.microsoft.com/office/drawing/2016/SVG/main" xmlns="" r:embed="rId16"/>
               </a:ext>
             </a:extLst>
           </a:blip>
@@ -24083,7 +23968,7 @@
           <a:blip r:embed="rId17">
             <a:extLst>
               <a:ext uri="{96DAC541-7B7A-43D3-8B79-37D633B846F1}">
-                <asvg:svgBlip xmlns:asvg="http://schemas.microsoft.com/office/drawing/2016/SVG/main" r:embed="rId18"/>
+                <asvg:svgBlip xmlns:asvg="http://schemas.microsoft.com/office/drawing/2016/SVG/main" xmlns="" r:embed="rId18"/>
               </a:ext>
             </a:extLst>
           </a:blip>
@@ -24119,7 +24004,7 @@
           <a:blip r:embed="rId19">
             <a:extLst>
               <a:ext uri="{96DAC541-7B7A-43D3-8B79-37D633B846F1}">
-                <asvg:svgBlip xmlns:asvg="http://schemas.microsoft.com/office/drawing/2016/SVG/main" r:embed="rId20"/>
+                <asvg:svgBlip xmlns:asvg="http://schemas.microsoft.com/office/drawing/2016/SVG/main" xmlns="" r:embed="rId20"/>
               </a:ext>
             </a:extLst>
           </a:blip>
@@ -24615,6 +24500,25 @@
                   <a:cs typeface="맑은 고딕 Semilight" panose="020B0502040204020203" pitchFamily="50" charset="-127"/>
                 </a:rPr>
                 <a:t>프로젝트</a:t>
+              </a:r>
+              <a:r>
+                <a:rPr lang="en-US" altLang="ko-KR" sz="1900" b="1" dirty="0">
+                  <a:ln>
+                    <a:solidFill>
+                      <a:schemeClr val="accent1">
+                        <a:shade val="15000"/>
+                        <a:alpha val="0"/>
+                      </a:schemeClr>
+                    </a:solidFill>
+                  </a:ln>
+                  <a:solidFill>
+                    <a:srgbClr val="FFC000"/>
+                  </a:solidFill>
+                  <a:latin typeface="맑은 고딕 Semilight" panose="020B0502040204020203" pitchFamily="50" charset="-127"/>
+                  <a:ea typeface="맑은 고딕 Semilight" panose="020B0502040204020203" pitchFamily="50" charset="-127"/>
+                  <a:cs typeface="맑은 고딕 Semilight" panose="020B0502040204020203" pitchFamily="50" charset="-127"/>
+                </a:rPr>
+                <a:t/>
               </a:r>
               <a:br>
                 <a:rPr lang="en-US" altLang="ko-KR" sz="1900" b="1" dirty="0">
@@ -25766,6 +25670,25 @@
                 </a:rPr>
                 <a:t>프로젝트</a:t>
               </a:r>
+              <a:r>
+                <a:rPr lang="en-US" altLang="ko-KR" sz="1900" b="1" dirty="0">
+                  <a:ln>
+                    <a:solidFill>
+                      <a:schemeClr val="accent1">
+                        <a:shade val="15000"/>
+                        <a:alpha val="0"/>
+                      </a:schemeClr>
+                    </a:solidFill>
+                  </a:ln>
+                  <a:solidFill>
+                    <a:srgbClr val="FFC000"/>
+                  </a:solidFill>
+                  <a:latin typeface="맑은 고딕 Semilight" panose="020B0502040204020203" pitchFamily="50" charset="-127"/>
+                  <a:ea typeface="맑은 고딕 Semilight" panose="020B0502040204020203" pitchFamily="50" charset="-127"/>
+                  <a:cs typeface="맑은 고딕 Semilight" panose="020B0502040204020203" pitchFamily="50" charset="-127"/>
+                </a:rPr>
+                <a:t/>
+              </a:r>
               <a:br>
                 <a:rPr lang="en-US" altLang="ko-KR" sz="1900" b="1" dirty="0">
                   <a:ln>
@@ -26509,6 +26432,24 @@
                 </a:rPr>
                 <a:t>활용 장비 및</a:t>
               </a:r>
+              <a:r>
+                <a:rPr lang="en-US" altLang="ko-KR" b="1" dirty="0">
+                  <a:ln>
+                    <a:solidFill>
+                      <a:schemeClr val="accent1">
+                        <a:shade val="15000"/>
+                        <a:alpha val="0"/>
+                      </a:schemeClr>
+                    </a:solidFill>
+                  </a:ln>
+                  <a:solidFill>
+                    <a:srgbClr val="3378C8"/>
+                  </a:solidFill>
+                  <a:latin typeface="맑은 고딕" panose="020B0503020000020004" pitchFamily="50" charset="-127"/>
+                  <a:ea typeface="맑은 고딕" panose="020B0503020000020004" pitchFamily="50" charset="-127"/>
+                </a:rPr>
+                <a:t/>
+              </a:r>
               <a:br>
                 <a:rPr lang="en-US" altLang="ko-KR" b="1" dirty="0">
                   <a:ln>
@@ -27231,6 +27172,24 @@
                 </a:rPr>
                 <a:t>활용방안 및</a:t>
               </a:r>
+              <a:r>
+                <a:rPr lang="en-US" altLang="ko-KR" b="1" dirty="0">
+                  <a:ln>
+                    <a:solidFill>
+                      <a:schemeClr val="accent1">
+                        <a:shade val="15000"/>
+                        <a:alpha val="0"/>
+                      </a:schemeClr>
+                    </a:solidFill>
+                  </a:ln>
+                  <a:solidFill>
+                    <a:srgbClr val="3378C8"/>
+                  </a:solidFill>
+                  <a:latin typeface="맑은 고딕" panose="020B0503020000020004" pitchFamily="50" charset="-127"/>
+                  <a:ea typeface="맑은 고딕" panose="020B0503020000020004" pitchFamily="50" charset="-127"/>
+                </a:rPr>
+                <a:t/>
+              </a:r>
               <a:br>
                 <a:rPr lang="en-US" altLang="ko-KR" b="1" dirty="0">
                   <a:ln>
@@ -27589,7 +27548,7 @@
                   <a14:useLocalDpi xmlns:a14="http://schemas.microsoft.com/office/drawing/2010/main"/>
                 </a:ext>
                 <a:ext uri="{96DAC541-7B7A-43D3-8B79-37D633B846F1}">
-                  <asvg:svgBlip xmlns:asvg="http://schemas.microsoft.com/office/drawing/2016/SVG/main" r:embed="rId23"/>
+                  <asvg:svgBlip xmlns:asvg="http://schemas.microsoft.com/office/drawing/2016/SVG/main" xmlns="" r:embed="rId23"/>
                 </a:ext>
               </a:extLst>
             </a:blip>
@@ -27969,7 +27928,7 @@
           <a:blip r:embed="rId2">
             <a:extLst>
               <a:ext uri="{96DAC541-7B7A-43D3-8B79-37D633B846F1}">
-                <asvg:svgBlip xmlns:asvg="http://schemas.microsoft.com/office/drawing/2016/SVG/main" r:embed="rId3"/>
+                <asvg:svgBlip xmlns:asvg="http://schemas.microsoft.com/office/drawing/2016/SVG/main" xmlns="" r:embed="rId3"/>
               </a:ext>
             </a:extLst>
           </a:blip>
@@ -28421,7 +28380,7 @@
           <p:nvPr>
             <p:extLst>
               <p:ext uri="{D42A27DB-BD31-4B8C-83A1-F6EECF244321}">
-                <p14:modId xmlns:p14="http://schemas.microsoft.com/office/powerpoint/2010/main" val="2222840836"/>
+                <p14:modId xmlns:p14="http://schemas.microsoft.com/office/powerpoint/2010/main" val="603529176"/>
               </p:ext>
             </p:extLst>
           </p:nvPr>
@@ -29340,7 +29299,53 @@
                           <a:ea typeface="세방고딕 Regular" panose="00000500000000000000" pitchFamily="2" charset="-127"/>
                           <a:cs typeface="+mn-cs"/>
                         </a:rPr>
-                        <a:t>EDA,</a:t>
+                        <a:t>EDA</a:t>
+                      </a:r>
+                      <a:r>
+                        <a:rPr kumimoji="0" lang="en-US" altLang="ko-KR" sz="1600" i="0" u="none" strike="noStrike" kern="1200" cap="none" spc="0" normalizeH="0" baseline="0" dirty="0" smtClean="0">
+                          <a:ln>
+                            <a:solidFill>
+                              <a:schemeClr val="bg1">
+                                <a:alpha val="0"/>
+                              </a:schemeClr>
+                            </a:solidFill>
+                          </a:ln>
+                          <a:solidFill>
+                            <a:schemeClr val="bg2">
+                              <a:lumMod val="25000"/>
+                            </a:schemeClr>
+                          </a:solidFill>
+                          <a:effectLst/>
+                          <a:uLnTx/>
+                          <a:uFillTx/>
+                          <a:latin typeface="세방고딕 Regular" panose="00000500000000000000" pitchFamily="2" charset="-127"/>
+                          <a:ea typeface="세방고딕 Regular" panose="00000500000000000000" pitchFamily="2" charset="-127"/>
+                          <a:cs typeface="+mn-cs"/>
+                        </a:rPr>
+                        <a:t>, </a:t>
+                      </a:r>
+                      <a:r>
+                        <a:rPr kumimoji="0" lang="ko-KR" altLang="en-US" sz="1600" i="0" u="none" strike="noStrike" kern="1200" cap="none" spc="0" normalizeH="0" baseline="0" dirty="0" smtClean="0">
+                          <a:ln>
+                            <a:solidFill>
+                              <a:schemeClr val="bg1">
+                                <a:alpha val="0"/>
+                              </a:schemeClr>
+                            </a:solidFill>
+                          </a:ln>
+                          <a:solidFill>
+                            <a:schemeClr val="bg2">
+                              <a:lumMod val="25000"/>
+                            </a:schemeClr>
+                          </a:solidFill>
+                          <a:effectLst/>
+                          <a:uLnTx/>
+                          <a:uFillTx/>
+                          <a:latin typeface="세방고딕 Regular" panose="00000500000000000000" pitchFamily="2" charset="-127"/>
+                          <a:ea typeface="세방고딕 Regular" panose="00000500000000000000" pitchFamily="2" charset="-127"/>
+                          <a:cs typeface="+mn-cs"/>
+                        </a:rPr>
+                        <a:t>보고서 </a:t>
                       </a:r>
                       <a:r>
                         <a:rPr kumimoji="0" lang="ko-KR" altLang="en-US" sz="1600" i="0" u="none" strike="noStrike" kern="1200" cap="none" spc="0" normalizeH="0" baseline="0" dirty="0">
@@ -29363,7 +29368,7 @@
                           <a:ea typeface="세방고딕 Regular" panose="00000500000000000000" pitchFamily="2" charset="-127"/>
                           <a:cs typeface="+mn-cs"/>
                         </a:rPr>
-                        <a:t>보고서 작성</a:t>
+                        <a:t>작성</a:t>
                       </a:r>
                     </a:p>
                   </a:txBody>
@@ -29710,10 +29715,10 @@
                           <a:ea typeface="세방고딕 Regular" panose="00000500000000000000" pitchFamily="2" charset="-127"/>
                           <a:cs typeface="+mn-cs"/>
                         </a:rPr>
-                        <a:t>데이터 </a:t>
+                        <a:t>데이터 전처리</a:t>
                       </a:r>
                       <a:r>
-                        <a:rPr kumimoji="0" lang="ko-KR" altLang="en-US" sz="1600" i="0" u="none" strike="noStrike" kern="1200" cap="none" spc="0" normalizeH="0" baseline="0" dirty="0" err="1">
+                        <a:rPr kumimoji="0" lang="en-US" altLang="ko-KR" sz="1600" i="0" u="none" strike="noStrike" kern="1200" cap="none" spc="0" normalizeH="0" baseline="0" dirty="0" smtClean="0">
                           <a:ln>
                             <a:solidFill>
                               <a:schemeClr val="bg1">
@@ -29733,10 +29738,10 @@
                           <a:ea typeface="세방고딕 Regular" panose="00000500000000000000" pitchFamily="2" charset="-127"/>
                           <a:cs typeface="+mn-cs"/>
                         </a:rPr>
-                        <a:t>전처리</a:t>
+                        <a:t>, </a:t>
                       </a:r>
                       <a:r>
-                        <a:rPr kumimoji="0" lang="en-US" altLang="ko-KR" sz="1600" i="0" u="none" strike="noStrike" kern="1200" cap="none" spc="0" normalizeH="0" baseline="0" dirty="0">
+                        <a:rPr kumimoji="0" lang="ko-KR" altLang="en-US" sz="1600" i="0" u="none" strike="noStrike" kern="1200" cap="none" spc="0" normalizeH="0" baseline="0" dirty="0" smtClean="0">
                           <a:ln>
                             <a:solidFill>
                               <a:schemeClr val="bg1">
@@ -29756,7 +29761,7 @@
                           <a:ea typeface="세방고딕 Regular" panose="00000500000000000000" pitchFamily="2" charset="-127"/>
                           <a:cs typeface="+mn-cs"/>
                         </a:rPr>
-                        <a:t>,</a:t>
+                        <a:t>보고서 </a:t>
                       </a:r>
                       <a:r>
                         <a:rPr kumimoji="0" lang="ko-KR" altLang="en-US" sz="1600" i="0" u="none" strike="noStrike" kern="1200" cap="none" spc="0" normalizeH="0" baseline="0" dirty="0">
@@ -29779,7 +29784,7 @@
                           <a:ea typeface="세방고딕 Regular" panose="00000500000000000000" pitchFamily="2" charset="-127"/>
                           <a:cs typeface="+mn-cs"/>
                         </a:rPr>
-                        <a:t>보고서 작성</a:t>
+                        <a:t>작성</a:t>
                       </a:r>
                     </a:p>
                   </a:txBody>
@@ -30155,7 +30160,7 @@
                         <a:t>적합</a:t>
                       </a:r>
                       <a:r>
-                        <a:rPr kumimoji="0" lang="en-US" altLang="ko-KR" sz="1600" i="0" u="none" strike="noStrike" kern="1200" cap="none" spc="0" normalizeH="0" baseline="0" noProof="0" dirty="0">
+                        <a:rPr kumimoji="0" lang="en-US" altLang="ko-KR" sz="1600" i="0" u="none" strike="noStrike" kern="1200" cap="none" spc="0" normalizeH="0" baseline="0" noProof="0" dirty="0" smtClean="0">
                           <a:ln>
                             <a:solidFill>
                               <a:schemeClr val="bg1">
@@ -30174,7 +30179,29 @@
                           <a:latin typeface="세방고딕 Regular" panose="00000500000000000000" pitchFamily="2" charset="-127"/>
                           <a:ea typeface="세방고딕 Regular" panose="00000500000000000000" pitchFamily="2" charset="-127"/>
                         </a:rPr>
-                        <a:t>,</a:t>
+                        <a:t>, </a:t>
+                      </a:r>
+                      <a:r>
+                        <a:rPr kumimoji="0" lang="ko-KR" altLang="en-US" sz="1600" i="0" u="none" strike="noStrike" kern="1200" cap="none" spc="0" normalizeH="0" baseline="0" noProof="0" dirty="0" smtClean="0">
+                          <a:ln>
+                            <a:solidFill>
+                              <a:schemeClr val="bg1">
+                                <a:alpha val="0"/>
+                              </a:schemeClr>
+                            </a:solidFill>
+                          </a:ln>
+                          <a:solidFill>
+                            <a:schemeClr val="bg2">
+                              <a:lumMod val="25000"/>
+                            </a:schemeClr>
+                          </a:solidFill>
+                          <a:effectLst/>
+                          <a:uLnTx/>
+                          <a:uFillTx/>
+                          <a:latin typeface="세방고딕 Regular" panose="00000500000000000000" pitchFamily="2" charset="-127"/>
+                          <a:ea typeface="세방고딕 Regular" panose="00000500000000000000" pitchFamily="2" charset="-127"/>
+                        </a:rPr>
+                        <a:t>파이프라인 </a:t>
                       </a:r>
                       <a:r>
                         <a:rPr kumimoji="0" lang="ko-KR" altLang="en-US" sz="1600" i="0" u="none" strike="noStrike" kern="1200" cap="none" spc="0" normalizeH="0" baseline="0" noProof="0" dirty="0">
@@ -30196,7 +30223,7 @@
                           <a:latin typeface="세방고딕 Regular" panose="00000500000000000000" pitchFamily="2" charset="-127"/>
                           <a:ea typeface="세방고딕 Regular" panose="00000500000000000000" pitchFamily="2" charset="-127"/>
                         </a:rPr>
-                        <a:t>파이프라인 구축</a:t>
+                        <a:t>구축</a:t>
                       </a:r>
                       <a:endParaRPr kumimoji="0" lang="en-US" altLang="ko-KR" sz="1600" i="0" u="none" strike="noStrike" kern="1200" cap="none" spc="0" normalizeH="0" baseline="0" noProof="0" dirty="0">
                         <a:ln>
@@ -30545,10 +30572,10 @@
                           <a:ea typeface="세방고딕 Regular" panose="00000500000000000000" pitchFamily="2" charset="-127"/>
                           <a:cs typeface="+mn-cs"/>
                         </a:rPr>
-                        <a:t>데이터 </a:t>
+                        <a:t>데이터 전처리</a:t>
                       </a:r>
                       <a:r>
-                        <a:rPr kumimoji="0" lang="ko-KR" altLang="en-US" sz="1600" i="0" u="none" strike="noStrike" kern="1200" cap="none" spc="0" normalizeH="0" baseline="0" dirty="0" err="1">
+                        <a:rPr kumimoji="0" lang="en-US" altLang="ko-KR" sz="1600" i="0" u="none" strike="noStrike" kern="1200" cap="none" spc="0" normalizeH="0" baseline="0" dirty="0" smtClean="0">
                           <a:ln>
                             <a:solidFill>
                               <a:schemeClr val="bg1">
@@ -30568,10 +30595,10 @@
                           <a:ea typeface="세방고딕 Regular" panose="00000500000000000000" pitchFamily="2" charset="-127"/>
                           <a:cs typeface="+mn-cs"/>
                         </a:rPr>
-                        <a:t>전처리</a:t>
+                        <a:t>, </a:t>
                       </a:r>
                       <a:r>
-                        <a:rPr kumimoji="0" lang="en-US" altLang="ko-KR" sz="1600" i="0" u="none" strike="noStrike" kern="1200" cap="none" spc="0" normalizeH="0" baseline="0" dirty="0">
+                        <a:rPr kumimoji="0" lang="ko-KR" altLang="en-US" sz="1600" b="0" i="0" u="none" strike="noStrike" kern="1200" cap="none" spc="0" normalizeH="0" baseline="0" noProof="0" dirty="0" smtClean="0">
                           <a:ln>
                             <a:solidFill>
                               <a:schemeClr val="bg1">
@@ -30591,7 +30618,7 @@
                           <a:ea typeface="세방고딕 Regular" panose="00000500000000000000" pitchFamily="2" charset="-127"/>
                           <a:cs typeface="+mn-cs"/>
                         </a:rPr>
-                        <a:t>,</a:t>
+                        <a:t>대시보드 </a:t>
                       </a:r>
                       <a:r>
                         <a:rPr kumimoji="0" lang="ko-KR" altLang="en-US" sz="1600" b="0" i="0" u="none" strike="noStrike" kern="1200" cap="none" spc="0" normalizeH="0" baseline="0" noProof="0" dirty="0">
@@ -30614,7 +30641,7 @@
                           <a:ea typeface="세방고딕 Regular" panose="00000500000000000000" pitchFamily="2" charset="-127"/>
                           <a:cs typeface="+mn-cs"/>
                         </a:rPr>
-                        <a:t>대시보드 구현</a:t>
+                        <a:t>구현</a:t>
                       </a:r>
                     </a:p>
                   </a:txBody>
@@ -30944,10 +30971,10 @@
                           <a:ea typeface="세방고딕 Regular" panose="00000500000000000000" pitchFamily="2" charset="-127"/>
                           <a:cs typeface="+mn-cs"/>
                         </a:rPr>
-                        <a:t>데이터 </a:t>
+                        <a:t>데이터 전처리</a:t>
                       </a:r>
                       <a:r>
-                        <a:rPr kumimoji="0" lang="ko-KR" altLang="en-US" sz="1600" i="0" u="none" strike="noStrike" kern="1200" cap="none" spc="0" normalizeH="0" baseline="0" dirty="0" err="1">
+                        <a:rPr kumimoji="0" lang="en-US" altLang="ko-KR" sz="1600" i="0" u="none" strike="noStrike" kern="1200" cap="none" spc="0" normalizeH="0" baseline="0" dirty="0" smtClean="0">
                           <a:ln>
                             <a:solidFill>
                               <a:schemeClr val="bg1">
@@ -30967,10 +30994,10 @@
                           <a:ea typeface="세방고딕 Regular" panose="00000500000000000000" pitchFamily="2" charset="-127"/>
                           <a:cs typeface="+mn-cs"/>
                         </a:rPr>
-                        <a:t>전처리</a:t>
+                        <a:t>, </a:t>
                       </a:r>
                       <a:r>
-                        <a:rPr kumimoji="0" lang="en-US" altLang="ko-KR" sz="1600" i="0" u="none" strike="noStrike" kern="1200" cap="none" spc="0" normalizeH="0" baseline="0" dirty="0">
+                        <a:rPr kumimoji="0" lang="ko-KR" altLang="en-US" sz="1600" i="0" u="none" strike="noStrike" kern="1200" cap="none" spc="0" normalizeH="0" baseline="0" dirty="0" smtClean="0">
                           <a:ln>
                             <a:solidFill>
                               <a:schemeClr val="bg1">
@@ -30990,7 +31017,7 @@
                           <a:ea typeface="세방고딕 Regular" panose="00000500000000000000" pitchFamily="2" charset="-127"/>
                           <a:cs typeface="+mn-cs"/>
                         </a:rPr>
-                        <a:t>,</a:t>
+                        <a:t>보고서 </a:t>
                       </a:r>
                       <a:r>
                         <a:rPr kumimoji="0" lang="ko-KR" altLang="en-US" sz="1600" i="0" u="none" strike="noStrike" kern="1200" cap="none" spc="0" normalizeH="0" baseline="0" dirty="0">
@@ -31013,7 +31040,7 @@
                           <a:ea typeface="세방고딕 Regular" panose="00000500000000000000" pitchFamily="2" charset="-127"/>
                           <a:cs typeface="+mn-cs"/>
                         </a:rPr>
-                        <a:t>보고서 작성</a:t>
+                        <a:t>작성</a:t>
                       </a:r>
                     </a:p>
                   </a:txBody>
@@ -31366,7 +31393,7 @@
                         <a:t>주제 방향성 피드백</a:t>
                       </a:r>
                       <a:r>
-                        <a:rPr kumimoji="0" lang="en-US" altLang="ko-KR" sz="1600" b="0" i="0" u="none" strike="noStrike" kern="1200" cap="none" spc="0" normalizeH="0" baseline="0" noProof="0" dirty="0">
+                        <a:rPr kumimoji="0" lang="en-US" altLang="ko-KR" sz="1600" b="0" i="0" u="none" strike="noStrike" kern="1200" cap="none" spc="0" normalizeH="0" baseline="0" noProof="0" dirty="0" smtClean="0">
                           <a:ln>
                             <a:solidFill>
                               <a:schemeClr val="bg1">
@@ -31386,7 +31413,30 @@
                           <a:ea typeface="세방고딕 Regular" panose="00000500000000000000" pitchFamily="2" charset="-127"/>
                           <a:cs typeface="+mn-cs"/>
                         </a:rPr>
-                        <a:t>,</a:t>
+                        <a:t>, </a:t>
+                      </a:r>
+                      <a:r>
+                        <a:rPr kumimoji="0" lang="ko-KR" altLang="en-US" sz="1600" b="0" i="0" u="none" strike="noStrike" kern="1200" cap="none" spc="0" normalizeH="0" baseline="0" noProof="0" dirty="0" smtClean="0">
+                          <a:ln>
+                            <a:solidFill>
+                              <a:schemeClr val="bg1">
+                                <a:alpha val="0"/>
+                              </a:schemeClr>
+                            </a:solidFill>
+                          </a:ln>
+                          <a:solidFill>
+                            <a:schemeClr val="bg2">
+                              <a:lumMod val="25000"/>
+                            </a:schemeClr>
+                          </a:solidFill>
+                          <a:effectLst/>
+                          <a:uLnTx/>
+                          <a:uFillTx/>
+                          <a:latin typeface="세방고딕 Regular" panose="00000500000000000000" pitchFamily="2" charset="-127"/>
+                          <a:ea typeface="세방고딕 Regular" panose="00000500000000000000" pitchFamily="2" charset="-127"/>
+                          <a:cs typeface="+mn-cs"/>
+                        </a:rPr>
+                        <a:t>프로젝트 </a:t>
                       </a:r>
                       <a:r>
                         <a:rPr kumimoji="0" lang="ko-KR" altLang="en-US" sz="1600" b="0" i="0" u="none" strike="noStrike" kern="1200" cap="none" spc="0" normalizeH="0" baseline="0" noProof="0" dirty="0">
@@ -31409,7 +31459,7 @@
                           <a:ea typeface="세방고딕 Regular" panose="00000500000000000000" pitchFamily="2" charset="-127"/>
                           <a:cs typeface="+mn-cs"/>
                         </a:rPr>
-                        <a:t>프로젝트 질의응답</a:t>
+                        <a:t>질의응답</a:t>
                       </a:r>
                     </a:p>
                   </a:txBody>
@@ -31493,7 +31543,7 @@
           <a:blip r:embed="rId5">
             <a:extLst>
               <a:ext uri="{96DAC541-7B7A-43D3-8B79-37D633B846F1}">
-                <asvg:svgBlip xmlns:asvg="http://schemas.microsoft.com/office/drawing/2016/SVG/main" r:embed="rId6"/>
+                <asvg:svgBlip xmlns:asvg="http://schemas.microsoft.com/office/drawing/2016/SVG/main" xmlns="" r:embed="rId6"/>
               </a:ext>
             </a:extLst>
           </a:blip>
@@ -31528,7 +31578,7 @@
           <a:blip r:embed="rId7">
             <a:extLst>
               <a:ext uri="{96DAC541-7B7A-43D3-8B79-37D633B846F1}">
-                <asvg:svgBlip xmlns:asvg="http://schemas.microsoft.com/office/drawing/2016/SVG/main" r:embed="rId8"/>
+                <asvg:svgBlip xmlns:asvg="http://schemas.microsoft.com/office/drawing/2016/SVG/main" xmlns="" r:embed="rId8"/>
               </a:ext>
             </a:extLst>
           </a:blip>
@@ -31634,7 +31684,7 @@
                   <a14:useLocalDpi xmlns:a14="http://schemas.microsoft.com/office/drawing/2010/main"/>
                 </a:ext>
                 <a:ext uri="{96DAC541-7B7A-43D3-8B79-37D633B846F1}">
-                  <asvg:svgBlip xmlns:asvg="http://schemas.microsoft.com/office/drawing/2016/SVG/main" r:embed="rId11"/>
+                  <asvg:svgBlip xmlns:asvg="http://schemas.microsoft.com/office/drawing/2016/SVG/main" xmlns="" r:embed="rId11"/>
                 </a:ext>
               </a:extLst>
             </a:blip>
@@ -31671,7 +31721,7 @@
           <a:blip r:embed="rId12">
             <a:extLst>
               <a:ext uri="{96DAC541-7B7A-43D3-8B79-37D633B846F1}">
-                <asvg:svgBlip xmlns:asvg="http://schemas.microsoft.com/office/drawing/2016/SVG/main" r:embed="rId13"/>
+                <asvg:svgBlip xmlns:asvg="http://schemas.microsoft.com/office/drawing/2016/SVG/main" xmlns="" r:embed="rId13"/>
               </a:ext>
             </a:extLst>
           </a:blip>
@@ -31765,7 +31815,7 @@
           <a:blip r:embed="rId14">
             <a:extLst>
               <a:ext uri="{96DAC541-7B7A-43D3-8B79-37D633B846F1}">
-                <asvg:svgBlip xmlns:asvg="http://schemas.microsoft.com/office/drawing/2016/SVG/main" r:embed="rId15"/>
+                <asvg:svgBlip xmlns:asvg="http://schemas.microsoft.com/office/drawing/2016/SVG/main" xmlns="" r:embed="rId15"/>
               </a:ext>
             </a:extLst>
           </a:blip>
@@ -31831,7 +31881,7 @@
           <a:blip r:embed="rId2">
             <a:extLst>
               <a:ext uri="{96DAC541-7B7A-43D3-8B79-37D633B846F1}">
-                <asvg:svgBlip xmlns:asvg="http://schemas.microsoft.com/office/drawing/2016/SVG/main" r:embed="rId3"/>
+                <asvg:svgBlip xmlns:asvg="http://schemas.microsoft.com/office/drawing/2016/SVG/main" xmlns="" r:embed="rId3"/>
               </a:ext>
             </a:extLst>
           </a:blip>
@@ -31867,7 +31917,7 @@
           <a:blip r:embed="rId4">
             <a:extLst>
               <a:ext uri="{96DAC541-7B7A-43D3-8B79-37D633B846F1}">
-                <asvg:svgBlip xmlns:asvg="http://schemas.microsoft.com/office/drawing/2016/SVG/main" r:embed="rId5"/>
+                <asvg:svgBlip xmlns:asvg="http://schemas.microsoft.com/office/drawing/2016/SVG/main" xmlns="" r:embed="rId5"/>
               </a:ext>
             </a:extLst>
           </a:blip>
@@ -31902,7 +31952,7 @@
           <a:blip r:embed="rId6">
             <a:extLst>
               <a:ext uri="{96DAC541-7B7A-43D3-8B79-37D633B846F1}">
-                <asvg:svgBlip xmlns:asvg="http://schemas.microsoft.com/office/drawing/2016/SVG/main" r:embed="rId7"/>
+                <asvg:svgBlip xmlns:asvg="http://schemas.microsoft.com/office/drawing/2016/SVG/main" xmlns="" r:embed="rId7"/>
               </a:ext>
             </a:extLst>
           </a:blip>
@@ -32618,7 +32668,7 @@
                   <a14:useLocalDpi xmlns:a14="http://schemas.microsoft.com/office/drawing/2010/main"/>
                 </a:ext>
                 <a:ext uri="{96DAC541-7B7A-43D3-8B79-37D633B846F1}">
-                  <asvg:svgBlip xmlns:asvg="http://schemas.microsoft.com/office/drawing/2016/SVG/main" r:embed="rId11"/>
+                  <asvg:svgBlip xmlns:asvg="http://schemas.microsoft.com/office/drawing/2016/SVG/main" xmlns="" r:embed="rId11"/>
                 </a:ext>
               </a:extLst>
             </a:blip>
@@ -33222,7 +33272,7 @@
         </p:nvGraphicFramePr>
         <p:xfrm>
           <a:off x="524528" y="2832100"/>
-          <a:ext cx="11218265" cy="3556000"/>
+          <a:ext cx="11218265" cy="3557280"/>
         </p:xfrm>
         <a:graphic>
           <a:graphicData uri="http://schemas.openxmlformats.org/drawingml/2006/table">
@@ -36267,7 +36317,7 @@
           <a:blip r:embed="rId12">
             <a:extLst>
               <a:ext uri="{96DAC541-7B7A-43D3-8B79-37D633B846F1}">
-                <asvg:svgBlip xmlns:asvg="http://schemas.microsoft.com/office/drawing/2016/SVG/main" r:embed="rId13"/>
+                <asvg:svgBlip xmlns:asvg="http://schemas.microsoft.com/office/drawing/2016/SVG/main" xmlns="" r:embed="rId13"/>
               </a:ext>
             </a:extLst>
           </a:blip>
@@ -36303,7 +36353,7 @@
           <a:blip r:embed="rId14">
             <a:extLst>
               <a:ext uri="{96DAC541-7B7A-43D3-8B79-37D633B846F1}">
-                <asvg:svgBlip xmlns:asvg="http://schemas.microsoft.com/office/drawing/2016/SVG/main" r:embed="rId15"/>
+                <asvg:svgBlip xmlns:asvg="http://schemas.microsoft.com/office/drawing/2016/SVG/main" xmlns="" r:embed="rId15"/>
               </a:ext>
             </a:extLst>
           </a:blip>
@@ -37049,7 +37099,7 @@
                   <a14:useLocalDpi xmlns:a14="http://schemas.microsoft.com/office/drawing/2010/main"/>
                 </a:ext>
                 <a:ext uri="{96DAC541-7B7A-43D3-8B79-37D633B846F1}">
-                  <asvg:svgBlip xmlns:asvg="http://schemas.microsoft.com/office/drawing/2016/SVG/main" r:embed="rId5"/>
+                  <asvg:svgBlip xmlns:asvg="http://schemas.microsoft.com/office/drawing/2016/SVG/main" xmlns="" r:embed="rId5"/>
                 </a:ext>
               </a:extLst>
             </a:blip>
@@ -38016,42 +38066,6 @@
           <a:chExt cx="0" cy="0"/>
         </a:xfrm>
       </p:grpSpPr>
-      <p:pic>
-        <p:nvPicPr>
-          <p:cNvPr id="99" name="그래픽 98">
-            <a:extLst>
-              <a:ext uri="{FF2B5EF4-FFF2-40B4-BE49-F238E27FC236}">
-                <a16:creationId xmlns:a16="http://schemas.microsoft.com/office/drawing/2014/main" id="{F903AA09-02EA-76CC-8175-834ABC7B3E7D}"/>
-              </a:ext>
-            </a:extLst>
-          </p:cNvPr>
-          <p:cNvPicPr>
-            <a:picLocks noChangeAspect="1"/>
-          </p:cNvPicPr>
-          <p:nvPr/>
-        </p:nvPicPr>
-        <p:blipFill>
-          <a:blip r:embed="rId2">
-            <a:extLst>
-              <a:ext uri="{96DAC541-7B7A-43D3-8B79-37D633B846F1}">
-                <asvg:svgBlip xmlns:asvg="http://schemas.microsoft.com/office/drawing/2016/SVG/main" r:embed="rId3"/>
-              </a:ext>
-            </a:extLst>
-          </a:blip>
-          <a:stretch>
-            <a:fillRect/>
-          </a:stretch>
-        </p:blipFill>
-        <p:spPr>
-          <a:xfrm>
-            <a:off x="0" y="0"/>
-            <a:ext cx="12192000" cy="6858000"/>
-          </a:xfrm>
-          <a:prstGeom prst="rect">
-            <a:avLst/>
-          </a:prstGeom>
-        </p:spPr>
-      </p:pic>
       <p:sp>
         <p:nvSpPr>
           <p:cNvPr id="39" name="사각형: 둥근 한쪽 모서리 38">
@@ -38634,7 +38648,7 @@
           <p:nvPr/>
         </p:nvPicPr>
         <p:blipFill rotWithShape="1">
-          <a:blip r:embed="rId4" cstate="print">
+          <a:blip r:embed="rId2" cstate="print">
             <a:duotone>
               <a:schemeClr val="accent5">
                 <a:shade val="45000"/>
@@ -38697,7 +38711,7 @@
             <p:nvPr/>
           </p:nvPicPr>
           <p:blipFill>
-            <a:blip r:embed="rId5" cstate="hqprint">
+            <a:blip r:embed="rId3" cstate="hqprint">
               <a:extLst>
                 <a:ext uri="{28A0092B-C50C-407E-A947-70E740481C1C}">
                   <a14:useLocalDpi xmlns:a14="http://schemas.microsoft.com/office/drawing/2010/main" val="0"/>
@@ -38744,13 +38758,13 @@
             <p:nvPr/>
           </p:nvPicPr>
           <p:blipFill>
-            <a:blip r:embed="rId6" cstate="print">
+            <a:blip r:embed="rId4" cstate="print">
               <a:extLst>
                 <a:ext uri="{28A0092B-C50C-407E-A947-70E740481C1C}">
                   <a14:useLocalDpi xmlns:a14="http://schemas.microsoft.com/office/drawing/2010/main"/>
                 </a:ext>
                 <a:ext uri="{96DAC541-7B7A-43D3-8B79-37D633B846F1}">
-                  <asvg:svgBlip xmlns:asvg="http://schemas.microsoft.com/office/drawing/2016/SVG/main" r:embed="rId7"/>
+                  <asvg:svgBlip xmlns:asvg="http://schemas.microsoft.com/office/drawing/2016/SVG/main" xmlns="" r:embed="rId7"/>
                 </a:ext>
               </a:extLst>
             </a:blip>
@@ -39901,42 +39915,6 @@
           <a:chExt cx="0" cy="0"/>
         </a:xfrm>
       </p:grpSpPr>
-      <p:pic>
-        <p:nvPicPr>
-          <p:cNvPr id="99" name="그래픽 98">
-            <a:extLst>
-              <a:ext uri="{FF2B5EF4-FFF2-40B4-BE49-F238E27FC236}">
-                <a16:creationId xmlns:a16="http://schemas.microsoft.com/office/drawing/2014/main" id="{F903AA09-02EA-76CC-8175-834ABC7B3E7D}"/>
-              </a:ext>
-            </a:extLst>
-          </p:cNvPr>
-          <p:cNvPicPr>
-            <a:picLocks noChangeAspect="1"/>
-          </p:cNvPicPr>
-          <p:nvPr/>
-        </p:nvPicPr>
-        <p:blipFill>
-          <a:blip r:embed="rId2">
-            <a:extLst>
-              <a:ext uri="{96DAC541-7B7A-43D3-8B79-37D633B846F1}">
-                <asvg:svgBlip xmlns:asvg="http://schemas.microsoft.com/office/drawing/2016/SVG/main" r:embed="rId3"/>
-              </a:ext>
-            </a:extLst>
-          </a:blip>
-          <a:stretch>
-            <a:fillRect/>
-          </a:stretch>
-        </p:blipFill>
-        <p:spPr>
-          <a:xfrm>
-            <a:off x="87084" y="-529661"/>
-            <a:ext cx="12192000" cy="6858000"/>
-          </a:xfrm>
-          <a:prstGeom prst="rect">
-            <a:avLst/>
-          </a:prstGeom>
-        </p:spPr>
-      </p:pic>
       <p:sp>
         <p:nvSpPr>
           <p:cNvPr id="39" name="사각형: 둥근 한쪽 모서리 38">
@@ -40328,7 +40306,7 @@
           <p:nvPr/>
         </p:nvPicPr>
         <p:blipFill rotWithShape="1">
-          <a:blip r:embed="rId4" cstate="print">
+          <a:blip r:embed="rId2" cstate="print">
             <a:duotone>
               <a:schemeClr val="accent5">
                 <a:shade val="45000"/>
@@ -40391,7 +40369,7 @@
             <p:nvPr/>
           </p:nvPicPr>
           <p:blipFill>
-            <a:blip r:embed="rId5" cstate="hqprint">
+            <a:blip r:embed="rId3" cstate="hqprint">
               <a:extLst>
                 <a:ext uri="{28A0092B-C50C-407E-A947-70E740481C1C}">
                   <a14:useLocalDpi xmlns:a14="http://schemas.microsoft.com/office/drawing/2010/main" val="0"/>
@@ -40438,13 +40416,13 @@
             <p:nvPr/>
           </p:nvPicPr>
           <p:blipFill>
-            <a:blip r:embed="rId6" cstate="print">
+            <a:blip r:embed="rId4" cstate="print">
               <a:extLst>
                 <a:ext uri="{28A0092B-C50C-407E-A947-70E740481C1C}">
                   <a14:useLocalDpi xmlns:a14="http://schemas.microsoft.com/office/drawing/2010/main"/>
                 </a:ext>
                 <a:ext uri="{96DAC541-7B7A-43D3-8B79-37D633B846F1}">
-                  <asvg:svgBlip xmlns:asvg="http://schemas.microsoft.com/office/drawing/2016/SVG/main" r:embed="rId7"/>
+                  <asvg:svgBlip xmlns:asvg="http://schemas.microsoft.com/office/drawing/2016/SVG/main" xmlns="" r:embed="rId7"/>
                 </a:ext>
               </a:extLst>
             </a:blip>
@@ -42123,42 +42101,6 @@
           <a:chExt cx="0" cy="0"/>
         </a:xfrm>
       </p:grpSpPr>
-      <p:pic>
-        <p:nvPicPr>
-          <p:cNvPr id="99" name="그래픽 98">
-            <a:extLst>
-              <a:ext uri="{FF2B5EF4-FFF2-40B4-BE49-F238E27FC236}">
-                <a16:creationId xmlns:a16="http://schemas.microsoft.com/office/drawing/2014/main" id="{F903AA09-02EA-76CC-8175-834ABC7B3E7D}"/>
-              </a:ext>
-            </a:extLst>
-          </p:cNvPr>
-          <p:cNvPicPr>
-            <a:picLocks noChangeAspect="1"/>
-          </p:cNvPicPr>
-          <p:nvPr/>
-        </p:nvPicPr>
-        <p:blipFill>
-          <a:blip r:embed="rId2">
-            <a:extLst>
-              <a:ext uri="{96DAC541-7B7A-43D3-8B79-37D633B846F1}">
-                <asvg:svgBlip xmlns:asvg="http://schemas.microsoft.com/office/drawing/2016/SVG/main" r:embed="rId3"/>
-              </a:ext>
-            </a:extLst>
-          </a:blip>
-          <a:stretch>
-            <a:fillRect/>
-          </a:stretch>
-        </p:blipFill>
-        <p:spPr>
-          <a:xfrm>
-            <a:off x="0" y="0"/>
-            <a:ext cx="12192000" cy="6858000"/>
-          </a:xfrm>
-          <a:prstGeom prst="rect">
-            <a:avLst/>
-          </a:prstGeom>
-        </p:spPr>
-      </p:pic>
       <p:sp>
         <p:nvSpPr>
           <p:cNvPr id="39" name="사각형: 둥근 한쪽 모서리 38">
@@ -42667,7 +42609,7 @@
           <p:nvPr/>
         </p:nvPicPr>
         <p:blipFill rotWithShape="1">
-          <a:blip r:embed="rId4" cstate="print">
+          <a:blip r:embed="rId2" cstate="print">
             <a:duotone>
               <a:schemeClr val="accent5">
                 <a:shade val="45000"/>
@@ -42730,7 +42672,7 @@
             <p:nvPr/>
           </p:nvPicPr>
           <p:blipFill>
-            <a:blip r:embed="rId5" cstate="hqprint">
+            <a:blip r:embed="rId3" cstate="hqprint">
               <a:extLst>
                 <a:ext uri="{28A0092B-C50C-407E-A947-70E740481C1C}">
                   <a14:useLocalDpi xmlns:a14="http://schemas.microsoft.com/office/drawing/2010/main" val="0"/>
@@ -42777,13 +42719,13 @@
             <p:nvPr/>
           </p:nvPicPr>
           <p:blipFill>
-            <a:blip r:embed="rId6" cstate="print">
+            <a:blip r:embed="rId4" cstate="print">
               <a:extLst>
                 <a:ext uri="{28A0092B-C50C-407E-A947-70E740481C1C}">
                   <a14:useLocalDpi xmlns:a14="http://schemas.microsoft.com/office/drawing/2010/main"/>
                 </a:ext>
                 <a:ext uri="{96DAC541-7B7A-43D3-8B79-37D633B846F1}">
-                  <asvg:svgBlip xmlns:asvg="http://schemas.microsoft.com/office/drawing/2016/SVG/main" r:embed="rId7"/>
+                  <asvg:svgBlip xmlns:asvg="http://schemas.microsoft.com/office/drawing/2016/SVG/main" xmlns="" r:embed="rId7"/>
                 </a:ext>
               </a:extLst>
             </a:blip>
@@ -42816,7 +42758,7 @@
           </p:cNvPicPr>
           <p:nvPr/>
         </p:nvPicPr>
-        <p:blipFill>
+        <p:blipFill rotWithShape="1">
           <a:blip r:embed="rId8">
             <a:extLst>
               <a:ext uri="{28A0092B-C50C-407E-A947-70E740481C1C}">
@@ -42824,14 +42766,13 @@
               </a:ext>
             </a:extLst>
           </a:blip>
-          <a:stretch>
-            <a:fillRect/>
-          </a:stretch>
+          <a:srcRect l="8556" t="10280" b="11531"/>
+          <a:stretch/>
         </p:blipFill>
         <p:spPr>
           <a:xfrm>
-            <a:off x="23003" y="1918144"/>
-            <a:ext cx="8280362" cy="4190254"/>
+            <a:off x="288134" y="2537092"/>
+            <a:ext cx="7571960" cy="3276364"/>
           </a:xfrm>
           <a:prstGeom prst="rect">
             <a:avLst/>
@@ -42905,7 +42846,7 @@
         </p:nvSpPr>
         <p:spPr>
           <a:xfrm>
-            <a:off x="8148228" y="2486497"/>
+            <a:off x="7818357" y="2454411"/>
             <a:ext cx="3924436" cy="3662541"/>
           </a:xfrm>
           <a:prstGeom prst="rect">
@@ -43228,6 +43169,10 @@
             </a:r>
           </a:p>
           <a:p>
+            <a:r>
+              <a:rPr lang="ko-KR" altLang="en-US" dirty="0"/>
+              <a:t/>
+            </a:r>
             <a:br>
               <a:rPr lang="ko-KR" altLang="en-US" dirty="0"/>
             </a:br>

--- a/2조 프로젝트 결과보고서.pptx
+++ b/2조 프로젝트 결과보고서.pptx
@@ -3991,7 +3991,7 @@
                   <a14:useLocalDpi xmlns:a14="http://schemas.microsoft.com/office/drawing/2010/main"/>
                 </a:ext>
                 <a:ext uri="{96DAC541-7B7A-43D3-8B79-37D633B846F1}">
-                  <asvg:svgBlip xmlns:asvg="http://schemas.microsoft.com/office/drawing/2016/SVG/main" xmlns="" r:embed="rId4"/>
+                  <asvg:svgBlip xmlns="" xmlns:asvg="http://schemas.microsoft.com/office/drawing/2016/SVG/main" r:embed="rId4"/>
                 </a:ext>
               </a:extLst>
             </a:blip>
@@ -4028,7 +4028,7 @@
           <a:blip r:embed="rId5">
             <a:extLst>
               <a:ext uri="{96DAC541-7B7A-43D3-8B79-37D633B846F1}">
-                <asvg:svgBlip xmlns:asvg="http://schemas.microsoft.com/office/drawing/2016/SVG/main" xmlns="" r:embed="rId6"/>
+                <asvg:svgBlip xmlns="" xmlns:asvg="http://schemas.microsoft.com/office/drawing/2016/SVG/main" r:embed="rId6"/>
               </a:ext>
             </a:extLst>
           </a:blip>
@@ -4067,7 +4067,7 @@
                 <a14:useLocalDpi xmlns:a14="http://schemas.microsoft.com/office/drawing/2010/main" val="0"/>
               </a:ext>
               <a:ext uri="{96DAC541-7B7A-43D3-8B79-37D633B846F1}">
-                <asvg:svgBlip xmlns:asvg="http://schemas.microsoft.com/office/drawing/2016/SVG/main" xmlns="" r:embed="rId8"/>
+                <asvg:svgBlip xmlns="" xmlns:asvg="http://schemas.microsoft.com/office/drawing/2016/SVG/main" r:embed="rId8"/>
               </a:ext>
             </a:extLst>
           </a:blip>
@@ -4122,7 +4122,7 @@
             <a:blip r:embed="rId9">
               <a:extLst>
                 <a:ext uri="{96DAC541-7B7A-43D3-8B79-37D633B846F1}">
-                  <asvg:svgBlip xmlns:asvg="http://schemas.microsoft.com/office/drawing/2016/SVG/main" xmlns="" r:embed="rId10"/>
+                  <asvg:svgBlip xmlns="" xmlns:asvg="http://schemas.microsoft.com/office/drawing/2016/SVG/main" r:embed="rId10"/>
                 </a:ext>
               </a:extLst>
             </a:blip>
@@ -6946,7 +6946,7 @@
                   <a14:useLocalDpi xmlns:a14="http://schemas.microsoft.com/office/drawing/2010/main"/>
                 </a:ext>
                 <a:ext uri="{96DAC541-7B7A-43D3-8B79-37D633B846F1}">
-                  <asvg:svgBlip xmlns:asvg="http://schemas.microsoft.com/office/drawing/2016/SVG/main" xmlns="" r:embed="rId7"/>
+                  <asvg:svgBlip xmlns="" xmlns:asvg="http://schemas.microsoft.com/office/drawing/2016/SVG/main" r:embed="rId7"/>
                 </a:ext>
               </a:extLst>
             </a:blip>
@@ -8055,7 +8055,7 @@
                   <a14:useLocalDpi xmlns:a14="http://schemas.microsoft.com/office/drawing/2010/main"/>
                 </a:ext>
                 <a:ext uri="{96DAC541-7B7A-43D3-8B79-37D633B846F1}">
-                  <asvg:svgBlip xmlns:asvg="http://schemas.microsoft.com/office/drawing/2016/SVG/main" xmlns="" r:embed="rId7"/>
+                  <asvg:svgBlip xmlns="" xmlns:asvg="http://schemas.microsoft.com/office/drawing/2016/SVG/main" r:embed="rId7"/>
                 </a:ext>
               </a:extLst>
             </a:blip>
@@ -9185,7 +9185,7 @@
                   <a14:useLocalDpi xmlns:a14="http://schemas.microsoft.com/office/drawing/2010/main"/>
                 </a:ext>
                 <a:ext uri="{96DAC541-7B7A-43D3-8B79-37D633B846F1}">
-                  <asvg:svgBlip xmlns:asvg="http://schemas.microsoft.com/office/drawing/2016/SVG/main" xmlns="" r:embed="rId7"/>
+                  <asvg:svgBlip xmlns="" xmlns:asvg="http://schemas.microsoft.com/office/drawing/2016/SVG/main" r:embed="rId7"/>
                 </a:ext>
               </a:extLst>
             </a:blip>
@@ -10315,7 +10315,7 @@
                   <a14:useLocalDpi xmlns:a14="http://schemas.microsoft.com/office/drawing/2010/main"/>
                 </a:ext>
                 <a:ext uri="{96DAC541-7B7A-43D3-8B79-37D633B846F1}">
-                  <asvg:svgBlip xmlns:asvg="http://schemas.microsoft.com/office/drawing/2016/SVG/main" xmlns="" r:embed="rId7"/>
+                  <asvg:svgBlip xmlns="" xmlns:asvg="http://schemas.microsoft.com/office/drawing/2016/SVG/main" r:embed="rId7"/>
                 </a:ext>
               </a:extLst>
             </a:blip>
@@ -11393,7 +11393,7 @@
                   <a14:useLocalDpi xmlns:a14="http://schemas.microsoft.com/office/drawing/2010/main"/>
                 </a:ext>
                 <a:ext uri="{96DAC541-7B7A-43D3-8B79-37D633B846F1}">
-                  <asvg:svgBlip xmlns:asvg="http://schemas.microsoft.com/office/drawing/2016/SVG/main" xmlns="" r:embed="rId7"/>
+                  <asvg:svgBlip xmlns="" xmlns:asvg="http://schemas.microsoft.com/office/drawing/2016/SVG/main" r:embed="rId7"/>
                 </a:ext>
               </a:extLst>
             </a:blip>
@@ -12611,7 +12611,7 @@
                   <a14:useLocalDpi xmlns:a14="http://schemas.microsoft.com/office/drawing/2010/main"/>
                 </a:ext>
                 <a:ext uri="{96DAC541-7B7A-43D3-8B79-37D633B846F1}">
-                  <asvg:svgBlip xmlns:asvg="http://schemas.microsoft.com/office/drawing/2016/SVG/main" xmlns="" r:embed="rId7"/>
+                  <asvg:svgBlip xmlns="" xmlns:asvg="http://schemas.microsoft.com/office/drawing/2016/SVG/main" r:embed="rId7"/>
                 </a:ext>
               </a:extLst>
             </a:blip>
@@ -13549,7 +13549,7 @@
                   <a14:useLocalDpi xmlns:a14="http://schemas.microsoft.com/office/drawing/2010/main"/>
                 </a:ext>
                 <a:ext uri="{96DAC541-7B7A-43D3-8B79-37D633B846F1}">
-                  <asvg:svgBlip xmlns:asvg="http://schemas.microsoft.com/office/drawing/2016/SVG/main" xmlns="" r:embed="rId7"/>
+                  <asvg:svgBlip xmlns="" xmlns:asvg="http://schemas.microsoft.com/office/drawing/2016/SVG/main" r:embed="rId7"/>
                 </a:ext>
               </a:extLst>
             </a:blip>
@@ -13568,6 +13568,137 @@
           </p:spPr>
         </p:pic>
       </p:grpSp>
+      <p:pic>
+        <p:nvPicPr>
+          <p:cNvPr id="6" name="그림 5"/>
+          <p:cNvPicPr>
+            <a:picLocks noChangeAspect="1"/>
+          </p:cNvPicPr>
+          <p:nvPr/>
+        </p:nvPicPr>
+        <p:blipFill>
+          <a:blip r:embed="rId8"/>
+          <a:stretch>
+            <a:fillRect/>
+          </a:stretch>
+        </p:blipFill>
+        <p:spPr>
+          <a:xfrm>
+            <a:off x="376102" y="2526525"/>
+            <a:ext cx="7778899" cy="2151147"/>
+          </a:xfrm>
+          <a:prstGeom prst="rect">
+            <a:avLst/>
+          </a:prstGeom>
+        </p:spPr>
+      </p:pic>
+      <p:sp>
+        <p:nvSpPr>
+          <p:cNvPr id="17" name="TextBox 16">
+            <a:extLst>
+              <a:ext uri="{FF2B5EF4-FFF2-40B4-BE49-F238E27FC236}">
+                <a16:creationId xmlns:a16="http://schemas.microsoft.com/office/drawing/2014/main" id="{6CBC5075-4949-40EE-B891-D8C7DE6AA098}"/>
+              </a:ext>
+            </a:extLst>
+          </p:cNvPr>
+          <p:cNvSpPr txBox="1"/>
+          <p:nvPr/>
+        </p:nvSpPr>
+        <p:spPr>
+          <a:xfrm>
+            <a:off x="183908" y="5365107"/>
+            <a:ext cx="8576387" cy="646331"/>
+          </a:xfrm>
+          <a:prstGeom prst="rect">
+            <a:avLst/>
+          </a:prstGeom>
+          <a:noFill/>
+        </p:spPr>
+        <p:txBody>
+          <a:bodyPr wrap="square">
+            <a:spAutoFit/>
+          </a:bodyPr>
+          <a:lstStyle/>
+          <a:p>
+            <a:pPr marL="285750" indent="-285750">
+              <a:buFontTx/>
+              <a:buChar char="-"/>
+            </a:pPr>
+            <a:r>
+              <a:rPr lang="en-US" altLang="ko-KR" dirty="0" smtClean="0"/>
+              <a:t>10,000</a:t>
+            </a:r>
+            <a:r>
+              <a:rPr lang="ko-KR" altLang="en-US" dirty="0" smtClean="0"/>
+              <a:t>개 데이터 테스트 결과 각 </a:t>
+            </a:r>
+            <a:r>
+              <a:rPr lang="ko-KR" altLang="en-US" dirty="0" err="1" smtClean="0"/>
+              <a:t>모델별로</a:t>
+            </a:r>
+            <a:r>
+              <a:rPr lang="ko-KR" altLang="en-US" dirty="0" smtClean="0"/>
+              <a:t> 위와 같은 예측 결과 도출</a:t>
+            </a:r>
+            <a:endParaRPr lang="en-US" altLang="ko-KR" dirty="0"/>
+          </a:p>
+          <a:p>
+            <a:pPr marL="285750" indent="-285750">
+              <a:buFontTx/>
+              <a:buChar char="-"/>
+            </a:pPr>
+            <a:r>
+              <a:rPr lang="ko-KR" altLang="en-US" dirty="0"/>
+              <a:t>선택한 </a:t>
+            </a:r>
+            <a:r>
+              <a:rPr lang="en-US" altLang="ko-KR" dirty="0" err="1"/>
+              <a:t>XGBoost</a:t>
+            </a:r>
+            <a:r>
+              <a:rPr lang="en-US" altLang="ko-KR" dirty="0"/>
+              <a:t> </a:t>
+            </a:r>
+            <a:r>
+              <a:rPr lang="ko-KR" altLang="en-US" dirty="0"/>
+              <a:t>모델의 </a:t>
+            </a:r>
+            <a:r>
+              <a:rPr lang="en-US" altLang="ko-KR" dirty="0" smtClean="0"/>
+              <a:t>SHAP value </a:t>
+            </a:r>
+            <a:r>
+              <a:rPr lang="ko-KR" altLang="en-US" dirty="0" smtClean="0"/>
+              <a:t>분석 결과를 참고하여 시뮬레이션 진행</a:t>
+            </a:r>
+            <a:endParaRPr lang="en-US" altLang="ko-KR" dirty="0" smtClean="0"/>
+          </a:p>
+        </p:txBody>
+      </p:sp>
+      <p:pic>
+        <p:nvPicPr>
+          <p:cNvPr id="7" name="그림 6"/>
+          <p:cNvPicPr>
+            <a:picLocks noChangeAspect="1"/>
+          </p:cNvPicPr>
+          <p:nvPr/>
+        </p:nvPicPr>
+        <p:blipFill>
+          <a:blip r:embed="rId9"/>
+          <a:stretch>
+            <a:fillRect/>
+          </a:stretch>
+        </p:blipFill>
+        <p:spPr>
+          <a:xfrm>
+            <a:off x="8328248" y="1700808"/>
+            <a:ext cx="3572525" cy="4240118"/>
+          </a:xfrm>
+          <a:prstGeom prst="rect">
+            <a:avLst/>
+          </a:prstGeom>
+        </p:spPr>
+      </p:pic>
     </p:spTree>
     <p:extLst>
       <p:ext uri="{BB962C8B-B14F-4D97-AF65-F5344CB8AC3E}">
@@ -13616,7 +13747,7 @@
           <a:blip r:embed="rId2">
             <a:extLst>
               <a:ext uri="{96DAC541-7B7A-43D3-8B79-37D633B846F1}">
-                <asvg:svgBlip xmlns:asvg="http://schemas.microsoft.com/office/drawing/2016/SVG/main" xmlns="" r:embed="rId3"/>
+                <asvg:svgBlip xmlns="" xmlns:asvg="http://schemas.microsoft.com/office/drawing/2016/SVG/main" r:embed="rId3"/>
               </a:ext>
             </a:extLst>
           </a:blip>
@@ -14388,7 +14519,7 @@
                   <a14:useLocalDpi xmlns:a14="http://schemas.microsoft.com/office/drawing/2010/main"/>
                 </a:ext>
                 <a:ext uri="{96DAC541-7B7A-43D3-8B79-37D633B846F1}">
-                  <asvg:svgBlip xmlns:asvg="http://schemas.microsoft.com/office/drawing/2016/SVG/main" xmlns="" r:embed="rId7"/>
+                  <asvg:svgBlip xmlns="" xmlns:asvg="http://schemas.microsoft.com/office/drawing/2016/SVG/main" r:embed="rId7"/>
                 </a:ext>
               </a:extLst>
             </a:blip>
@@ -14491,7 +14622,7 @@
           <a:blip r:embed="rId2">
             <a:extLst>
               <a:ext uri="{96DAC541-7B7A-43D3-8B79-37D633B846F1}">
-                <asvg:svgBlip xmlns:asvg="http://schemas.microsoft.com/office/drawing/2016/SVG/main" xmlns="" r:embed="rId3"/>
+                <asvg:svgBlip xmlns="" xmlns:asvg="http://schemas.microsoft.com/office/drawing/2016/SVG/main" r:embed="rId3"/>
               </a:ext>
             </a:extLst>
           </a:blip>
@@ -19539,7 +19670,7 @@
                   <a14:useLocalDpi xmlns:a14="http://schemas.microsoft.com/office/drawing/2010/main"/>
                 </a:ext>
                 <a:ext uri="{96DAC541-7B7A-43D3-8B79-37D633B846F1}">
-                  <asvg:svgBlip xmlns:asvg="http://schemas.microsoft.com/office/drawing/2016/SVG/main" xmlns="" r:embed="rId7"/>
+                  <asvg:svgBlip xmlns="" xmlns:asvg="http://schemas.microsoft.com/office/drawing/2016/SVG/main" r:embed="rId7"/>
                 </a:ext>
               </a:extLst>
             </a:blip>
@@ -19853,7 +19984,7 @@
           <a:blip r:embed="rId2">
             <a:extLst>
               <a:ext uri="{96DAC541-7B7A-43D3-8B79-37D633B846F1}">
-                <asvg:svgBlip xmlns:asvg="http://schemas.microsoft.com/office/drawing/2016/SVG/main" xmlns="" r:embed="rId3"/>
+                <asvg:svgBlip xmlns="" xmlns:asvg="http://schemas.microsoft.com/office/drawing/2016/SVG/main" r:embed="rId3"/>
               </a:ext>
             </a:extLst>
           </a:blip>
@@ -19889,7 +20020,7 @@
           <a:blip r:embed="rId4">
             <a:extLst>
               <a:ext uri="{96DAC541-7B7A-43D3-8B79-37D633B846F1}">
-                <asvg:svgBlip xmlns:asvg="http://schemas.microsoft.com/office/drawing/2016/SVG/main" xmlns="" r:embed="rId5"/>
+                <asvg:svgBlip xmlns="" xmlns:asvg="http://schemas.microsoft.com/office/drawing/2016/SVG/main" r:embed="rId5"/>
               </a:ext>
             </a:extLst>
           </a:blip>
@@ -19924,7 +20055,7 @@
           <a:blip r:embed="rId6">
             <a:extLst>
               <a:ext uri="{96DAC541-7B7A-43D3-8B79-37D633B846F1}">
-                <asvg:svgBlip xmlns:asvg="http://schemas.microsoft.com/office/drawing/2016/SVG/main" xmlns="" r:embed="rId7"/>
+                <asvg:svgBlip xmlns="" xmlns:asvg="http://schemas.microsoft.com/office/drawing/2016/SVG/main" r:embed="rId7"/>
               </a:ext>
             </a:extLst>
           </a:blip>
@@ -21505,7 +21636,7 @@
           <a:blip r:embed="rId9">
             <a:extLst>
               <a:ext uri="{96DAC541-7B7A-43D3-8B79-37D633B846F1}">
-                <asvg:svgBlip xmlns:asvg="http://schemas.microsoft.com/office/drawing/2016/SVG/main" xmlns="" r:embed="rId10"/>
+                <asvg:svgBlip xmlns="" xmlns:asvg="http://schemas.microsoft.com/office/drawing/2016/SVG/main" r:embed="rId10"/>
               </a:ext>
             </a:extLst>
           </a:blip>
@@ -21611,7 +21742,7 @@
                   <a14:useLocalDpi xmlns:a14="http://schemas.microsoft.com/office/drawing/2010/main"/>
                 </a:ext>
                 <a:ext uri="{96DAC541-7B7A-43D3-8B79-37D633B846F1}">
-                  <asvg:svgBlip xmlns:asvg="http://schemas.microsoft.com/office/drawing/2016/SVG/main" xmlns="" r:embed="rId13"/>
+                  <asvg:svgBlip xmlns="" xmlns:asvg="http://schemas.microsoft.com/office/drawing/2016/SVG/main" r:embed="rId13"/>
                 </a:ext>
               </a:extLst>
             </a:blip>
@@ -21725,7 +21856,7 @@
           <a:blip r:embed="rId2">
             <a:extLst>
               <a:ext uri="{96DAC541-7B7A-43D3-8B79-37D633B846F1}">
-                <asvg:svgBlip xmlns:asvg="http://schemas.microsoft.com/office/drawing/2016/SVG/main" xmlns="" r:embed="rId3"/>
+                <asvg:svgBlip xmlns="" xmlns:asvg="http://schemas.microsoft.com/office/drawing/2016/SVG/main" r:embed="rId3"/>
               </a:ext>
             </a:extLst>
           </a:blip>
@@ -21761,7 +21892,7 @@
           <a:blip r:embed="rId4">
             <a:extLst>
               <a:ext uri="{96DAC541-7B7A-43D3-8B79-37D633B846F1}">
-                <asvg:svgBlip xmlns:asvg="http://schemas.microsoft.com/office/drawing/2016/SVG/main" xmlns="" r:embed="rId5"/>
+                <asvg:svgBlip xmlns="" xmlns:asvg="http://schemas.microsoft.com/office/drawing/2016/SVG/main" r:embed="rId5"/>
               </a:ext>
             </a:extLst>
           </a:blip>
@@ -22687,7 +22818,7 @@
           <a:blip r:embed="rId6">
             <a:extLst>
               <a:ext uri="{96DAC541-7B7A-43D3-8B79-37D633B846F1}">
-                <asvg:svgBlip xmlns:asvg="http://schemas.microsoft.com/office/drawing/2016/SVG/main" xmlns="" r:embed="rId7"/>
+                <asvg:svgBlip xmlns="" xmlns:asvg="http://schemas.microsoft.com/office/drawing/2016/SVG/main" r:embed="rId7"/>
               </a:ext>
             </a:extLst>
           </a:blip>
@@ -22723,7 +22854,7 @@
           <a:blip r:embed="rId8">
             <a:extLst>
               <a:ext uri="{96DAC541-7B7A-43D3-8B79-37D633B846F1}">
-                <asvg:svgBlip xmlns:asvg="http://schemas.microsoft.com/office/drawing/2016/SVG/main" xmlns="" r:embed="rId9"/>
+                <asvg:svgBlip xmlns="" xmlns:asvg="http://schemas.microsoft.com/office/drawing/2016/SVG/main" r:embed="rId9"/>
               </a:ext>
             </a:extLst>
           </a:blip>
@@ -22759,7 +22890,7 @@
           <a:blip r:embed="rId10">
             <a:extLst>
               <a:ext uri="{96DAC541-7B7A-43D3-8B79-37D633B846F1}">
-                <asvg:svgBlip xmlns:asvg="http://schemas.microsoft.com/office/drawing/2016/SVG/main" xmlns="" r:embed="rId11"/>
+                <asvg:svgBlip xmlns="" xmlns:asvg="http://schemas.microsoft.com/office/drawing/2016/SVG/main" r:embed="rId11"/>
               </a:ext>
             </a:extLst>
           </a:blip>
@@ -22815,7 +22946,7 @@
             <a:blip r:embed="rId12">
               <a:extLst>
                 <a:ext uri="{96DAC541-7B7A-43D3-8B79-37D633B846F1}">
-                  <asvg:svgBlip xmlns:asvg="http://schemas.microsoft.com/office/drawing/2016/SVG/main" xmlns="" r:embed="rId13"/>
+                  <asvg:svgBlip xmlns="" xmlns:asvg="http://schemas.microsoft.com/office/drawing/2016/SVG/main" r:embed="rId13"/>
                 </a:ext>
               </a:extLst>
             </a:blip>
@@ -22851,7 +22982,7 @@
             <a:blip r:embed="rId14">
               <a:extLst>
                 <a:ext uri="{96DAC541-7B7A-43D3-8B79-37D633B846F1}">
-                  <asvg:svgBlip xmlns:asvg="http://schemas.microsoft.com/office/drawing/2016/SVG/main" xmlns="" r:embed="rId15"/>
+                  <asvg:svgBlip xmlns="" xmlns:asvg="http://schemas.microsoft.com/office/drawing/2016/SVG/main" r:embed="rId15"/>
                 </a:ext>
               </a:extLst>
             </a:blip>
@@ -22887,7 +23018,7 @@
             <a:blip r:embed="rId16">
               <a:extLst>
                 <a:ext uri="{96DAC541-7B7A-43D3-8B79-37D633B846F1}">
-                  <asvg:svgBlip xmlns:asvg="http://schemas.microsoft.com/office/drawing/2016/SVG/main" xmlns="" r:embed="rId17"/>
+                  <asvg:svgBlip xmlns="" xmlns:asvg="http://schemas.microsoft.com/office/drawing/2016/SVG/main" r:embed="rId17"/>
                 </a:ext>
               </a:extLst>
             </a:blip>
@@ -22923,7 +23054,7 @@
             <a:blip r:embed="rId18">
               <a:extLst>
                 <a:ext uri="{96DAC541-7B7A-43D3-8B79-37D633B846F1}">
-                  <asvg:svgBlip xmlns:asvg="http://schemas.microsoft.com/office/drawing/2016/SVG/main" xmlns="" r:embed="rId19"/>
+                  <asvg:svgBlip xmlns="" xmlns:asvg="http://schemas.microsoft.com/office/drawing/2016/SVG/main" r:embed="rId19"/>
                 </a:ext>
               </a:extLst>
             </a:blip>
@@ -22959,7 +23090,7 @@
             <a:blip r:embed="rId20">
               <a:extLst>
                 <a:ext uri="{96DAC541-7B7A-43D3-8B79-37D633B846F1}">
-                  <asvg:svgBlip xmlns:asvg="http://schemas.microsoft.com/office/drawing/2016/SVG/main" xmlns="" r:embed="rId21"/>
+                  <asvg:svgBlip xmlns="" xmlns:asvg="http://schemas.microsoft.com/office/drawing/2016/SVG/main" r:embed="rId21"/>
                 </a:ext>
               </a:extLst>
             </a:blip>
@@ -23026,7 +23157,7 @@
           <a:blip r:embed="rId2">
             <a:extLst>
               <a:ext uri="{96DAC541-7B7A-43D3-8B79-37D633B846F1}">
-                <asvg:svgBlip xmlns:asvg="http://schemas.microsoft.com/office/drawing/2016/SVG/main" xmlns="" r:embed="rId3"/>
+                <asvg:svgBlip xmlns="" xmlns:asvg="http://schemas.microsoft.com/office/drawing/2016/SVG/main" r:embed="rId3"/>
               </a:ext>
             </a:extLst>
           </a:blip>
@@ -23755,7 +23886,7 @@
           <a:blip r:embed="rId5">
             <a:extLst>
               <a:ext uri="{96DAC541-7B7A-43D3-8B79-37D633B846F1}">
-                <asvg:svgBlip xmlns:asvg="http://schemas.microsoft.com/office/drawing/2016/SVG/main" xmlns="" r:embed="rId6"/>
+                <asvg:svgBlip xmlns="" xmlns:asvg="http://schemas.microsoft.com/office/drawing/2016/SVG/main" r:embed="rId6"/>
               </a:ext>
             </a:extLst>
           </a:blip>
@@ -23790,7 +23921,7 @@
           <a:blip r:embed="rId7">
             <a:extLst>
               <a:ext uri="{96DAC541-7B7A-43D3-8B79-37D633B846F1}">
-                <asvg:svgBlip xmlns:asvg="http://schemas.microsoft.com/office/drawing/2016/SVG/main" xmlns="" r:embed="rId8"/>
+                <asvg:svgBlip xmlns="" xmlns:asvg="http://schemas.microsoft.com/office/drawing/2016/SVG/main" r:embed="rId8"/>
               </a:ext>
             </a:extLst>
           </a:blip>
@@ -23826,7 +23957,7 @@
           <a:blip r:embed="rId9">
             <a:extLst>
               <a:ext uri="{96DAC541-7B7A-43D3-8B79-37D633B846F1}">
-                <asvg:svgBlip xmlns:asvg="http://schemas.microsoft.com/office/drawing/2016/SVG/main" xmlns="" r:embed="rId10"/>
+                <asvg:svgBlip xmlns="" xmlns:asvg="http://schemas.microsoft.com/office/drawing/2016/SVG/main" r:embed="rId10"/>
               </a:ext>
             </a:extLst>
           </a:blip>
@@ -23862,7 +23993,7 @@
           <a:blip r:embed="rId11">
             <a:extLst>
               <a:ext uri="{96DAC541-7B7A-43D3-8B79-37D633B846F1}">
-                <asvg:svgBlip xmlns:asvg="http://schemas.microsoft.com/office/drawing/2016/SVG/main" xmlns="" r:embed="rId12"/>
+                <asvg:svgBlip xmlns="" xmlns:asvg="http://schemas.microsoft.com/office/drawing/2016/SVG/main" r:embed="rId12"/>
               </a:ext>
             </a:extLst>
           </a:blip>
@@ -23898,7 +24029,7 @@
           <a:blip r:embed="rId13">
             <a:extLst>
               <a:ext uri="{96DAC541-7B7A-43D3-8B79-37D633B846F1}">
-                <asvg:svgBlip xmlns:asvg="http://schemas.microsoft.com/office/drawing/2016/SVG/main" xmlns="" r:embed="rId14"/>
+                <asvg:svgBlip xmlns="" xmlns:asvg="http://schemas.microsoft.com/office/drawing/2016/SVG/main" r:embed="rId14"/>
               </a:ext>
             </a:extLst>
           </a:blip>
@@ -23933,7 +24064,7 @@
           <a:blip r:embed="rId15">
             <a:extLst>
               <a:ext uri="{96DAC541-7B7A-43D3-8B79-37D633B846F1}">
-                <asvg:svgBlip xmlns:asvg="http://schemas.microsoft.com/office/drawing/2016/SVG/main" xmlns="" r:embed="rId16"/>
+                <asvg:svgBlip xmlns="" xmlns:asvg="http://schemas.microsoft.com/office/drawing/2016/SVG/main" r:embed="rId16"/>
               </a:ext>
             </a:extLst>
           </a:blip>
@@ -23968,7 +24099,7 @@
           <a:blip r:embed="rId17">
             <a:extLst>
               <a:ext uri="{96DAC541-7B7A-43D3-8B79-37D633B846F1}">
-                <asvg:svgBlip xmlns:asvg="http://schemas.microsoft.com/office/drawing/2016/SVG/main" xmlns="" r:embed="rId18"/>
+                <asvg:svgBlip xmlns="" xmlns:asvg="http://schemas.microsoft.com/office/drawing/2016/SVG/main" r:embed="rId18"/>
               </a:ext>
             </a:extLst>
           </a:blip>
@@ -24004,7 +24135,7 @@
           <a:blip r:embed="rId19">
             <a:extLst>
               <a:ext uri="{96DAC541-7B7A-43D3-8B79-37D633B846F1}">
-                <asvg:svgBlip xmlns:asvg="http://schemas.microsoft.com/office/drawing/2016/SVG/main" xmlns="" r:embed="rId20"/>
+                <asvg:svgBlip xmlns="" xmlns:asvg="http://schemas.microsoft.com/office/drawing/2016/SVG/main" r:embed="rId20"/>
               </a:ext>
             </a:extLst>
           </a:blip>
@@ -27548,7 +27679,7 @@
                   <a14:useLocalDpi xmlns:a14="http://schemas.microsoft.com/office/drawing/2010/main"/>
                 </a:ext>
                 <a:ext uri="{96DAC541-7B7A-43D3-8B79-37D633B846F1}">
-                  <asvg:svgBlip xmlns:asvg="http://schemas.microsoft.com/office/drawing/2016/SVG/main" xmlns="" r:embed="rId23"/>
+                  <asvg:svgBlip xmlns="" xmlns:asvg="http://schemas.microsoft.com/office/drawing/2016/SVG/main" r:embed="rId23"/>
                 </a:ext>
               </a:extLst>
             </a:blip>
@@ -27928,7 +28059,7 @@
           <a:blip r:embed="rId2">
             <a:extLst>
               <a:ext uri="{96DAC541-7B7A-43D3-8B79-37D633B846F1}">
-                <asvg:svgBlip xmlns:asvg="http://schemas.microsoft.com/office/drawing/2016/SVG/main" xmlns="" r:embed="rId3"/>
+                <asvg:svgBlip xmlns="" xmlns:asvg="http://schemas.microsoft.com/office/drawing/2016/SVG/main" r:embed="rId3"/>
               </a:ext>
             </a:extLst>
           </a:blip>
@@ -31543,7 +31674,7 @@
           <a:blip r:embed="rId5">
             <a:extLst>
               <a:ext uri="{96DAC541-7B7A-43D3-8B79-37D633B846F1}">
-                <asvg:svgBlip xmlns:asvg="http://schemas.microsoft.com/office/drawing/2016/SVG/main" xmlns="" r:embed="rId6"/>
+                <asvg:svgBlip xmlns="" xmlns:asvg="http://schemas.microsoft.com/office/drawing/2016/SVG/main" r:embed="rId6"/>
               </a:ext>
             </a:extLst>
           </a:blip>
@@ -31578,7 +31709,7 @@
           <a:blip r:embed="rId7">
             <a:extLst>
               <a:ext uri="{96DAC541-7B7A-43D3-8B79-37D633B846F1}">
-                <asvg:svgBlip xmlns:asvg="http://schemas.microsoft.com/office/drawing/2016/SVG/main" xmlns="" r:embed="rId8"/>
+                <asvg:svgBlip xmlns="" xmlns:asvg="http://schemas.microsoft.com/office/drawing/2016/SVG/main" r:embed="rId8"/>
               </a:ext>
             </a:extLst>
           </a:blip>
@@ -31684,7 +31815,7 @@
                   <a14:useLocalDpi xmlns:a14="http://schemas.microsoft.com/office/drawing/2010/main"/>
                 </a:ext>
                 <a:ext uri="{96DAC541-7B7A-43D3-8B79-37D633B846F1}">
-                  <asvg:svgBlip xmlns:asvg="http://schemas.microsoft.com/office/drawing/2016/SVG/main" xmlns="" r:embed="rId11"/>
+                  <asvg:svgBlip xmlns="" xmlns:asvg="http://schemas.microsoft.com/office/drawing/2016/SVG/main" r:embed="rId11"/>
                 </a:ext>
               </a:extLst>
             </a:blip>
@@ -31721,7 +31852,7 @@
           <a:blip r:embed="rId12">
             <a:extLst>
               <a:ext uri="{96DAC541-7B7A-43D3-8B79-37D633B846F1}">
-                <asvg:svgBlip xmlns:asvg="http://schemas.microsoft.com/office/drawing/2016/SVG/main" xmlns="" r:embed="rId13"/>
+                <asvg:svgBlip xmlns="" xmlns:asvg="http://schemas.microsoft.com/office/drawing/2016/SVG/main" r:embed="rId13"/>
               </a:ext>
             </a:extLst>
           </a:blip>
@@ -31815,7 +31946,7 @@
           <a:blip r:embed="rId14">
             <a:extLst>
               <a:ext uri="{96DAC541-7B7A-43D3-8B79-37D633B846F1}">
-                <asvg:svgBlip xmlns:asvg="http://schemas.microsoft.com/office/drawing/2016/SVG/main" xmlns="" r:embed="rId15"/>
+                <asvg:svgBlip xmlns="" xmlns:asvg="http://schemas.microsoft.com/office/drawing/2016/SVG/main" r:embed="rId15"/>
               </a:ext>
             </a:extLst>
           </a:blip>
@@ -31881,7 +32012,7 @@
           <a:blip r:embed="rId2">
             <a:extLst>
               <a:ext uri="{96DAC541-7B7A-43D3-8B79-37D633B846F1}">
-                <asvg:svgBlip xmlns:asvg="http://schemas.microsoft.com/office/drawing/2016/SVG/main" xmlns="" r:embed="rId3"/>
+                <asvg:svgBlip xmlns="" xmlns:asvg="http://schemas.microsoft.com/office/drawing/2016/SVG/main" r:embed="rId3"/>
               </a:ext>
             </a:extLst>
           </a:blip>
@@ -31917,7 +32048,7 @@
           <a:blip r:embed="rId4">
             <a:extLst>
               <a:ext uri="{96DAC541-7B7A-43D3-8B79-37D633B846F1}">
-                <asvg:svgBlip xmlns:asvg="http://schemas.microsoft.com/office/drawing/2016/SVG/main" xmlns="" r:embed="rId5"/>
+                <asvg:svgBlip xmlns="" xmlns:asvg="http://schemas.microsoft.com/office/drawing/2016/SVG/main" r:embed="rId5"/>
               </a:ext>
             </a:extLst>
           </a:blip>
@@ -31952,7 +32083,7 @@
           <a:blip r:embed="rId6">
             <a:extLst>
               <a:ext uri="{96DAC541-7B7A-43D3-8B79-37D633B846F1}">
-                <asvg:svgBlip xmlns:asvg="http://schemas.microsoft.com/office/drawing/2016/SVG/main" xmlns="" r:embed="rId7"/>
+                <asvg:svgBlip xmlns="" xmlns:asvg="http://schemas.microsoft.com/office/drawing/2016/SVG/main" r:embed="rId7"/>
               </a:ext>
             </a:extLst>
           </a:blip>
@@ -32668,7 +32799,7 @@
                   <a14:useLocalDpi xmlns:a14="http://schemas.microsoft.com/office/drawing/2010/main"/>
                 </a:ext>
                 <a:ext uri="{96DAC541-7B7A-43D3-8B79-37D633B846F1}">
-                  <asvg:svgBlip xmlns:asvg="http://schemas.microsoft.com/office/drawing/2016/SVG/main" xmlns="" r:embed="rId11"/>
+                  <asvg:svgBlip xmlns="" xmlns:asvg="http://schemas.microsoft.com/office/drawing/2016/SVG/main" r:embed="rId11"/>
                 </a:ext>
               </a:extLst>
             </a:blip>
@@ -36317,7 +36448,7 @@
           <a:blip r:embed="rId12">
             <a:extLst>
               <a:ext uri="{96DAC541-7B7A-43D3-8B79-37D633B846F1}">
-                <asvg:svgBlip xmlns:asvg="http://schemas.microsoft.com/office/drawing/2016/SVG/main" xmlns="" r:embed="rId13"/>
+                <asvg:svgBlip xmlns="" xmlns:asvg="http://schemas.microsoft.com/office/drawing/2016/SVG/main" r:embed="rId13"/>
               </a:ext>
             </a:extLst>
           </a:blip>
@@ -36353,7 +36484,7 @@
           <a:blip r:embed="rId14">
             <a:extLst>
               <a:ext uri="{96DAC541-7B7A-43D3-8B79-37D633B846F1}">
-                <asvg:svgBlip xmlns:asvg="http://schemas.microsoft.com/office/drawing/2016/SVG/main" xmlns="" r:embed="rId15"/>
+                <asvg:svgBlip xmlns="" xmlns:asvg="http://schemas.microsoft.com/office/drawing/2016/SVG/main" r:embed="rId15"/>
               </a:ext>
             </a:extLst>
           </a:blip>
@@ -37099,7 +37230,7 @@
                   <a14:useLocalDpi xmlns:a14="http://schemas.microsoft.com/office/drawing/2010/main"/>
                 </a:ext>
                 <a:ext uri="{96DAC541-7B7A-43D3-8B79-37D633B846F1}">
-                  <asvg:svgBlip xmlns:asvg="http://schemas.microsoft.com/office/drawing/2016/SVG/main" xmlns="" r:embed="rId5"/>
+                  <asvg:svgBlip xmlns="" xmlns:asvg="http://schemas.microsoft.com/office/drawing/2016/SVG/main" r:embed="rId5"/>
                 </a:ext>
               </a:extLst>
             </a:blip>
@@ -38764,7 +38895,7 @@
                   <a14:useLocalDpi xmlns:a14="http://schemas.microsoft.com/office/drawing/2010/main"/>
                 </a:ext>
                 <a:ext uri="{96DAC541-7B7A-43D3-8B79-37D633B846F1}">
-                  <asvg:svgBlip xmlns:asvg="http://schemas.microsoft.com/office/drawing/2016/SVG/main" xmlns="" r:embed="rId7"/>
+                  <asvg:svgBlip xmlns="" xmlns:asvg="http://schemas.microsoft.com/office/drawing/2016/SVG/main" r:embed="rId7"/>
                 </a:ext>
               </a:extLst>
             </a:blip>
@@ -40422,7 +40553,7 @@
                   <a14:useLocalDpi xmlns:a14="http://schemas.microsoft.com/office/drawing/2010/main"/>
                 </a:ext>
                 <a:ext uri="{96DAC541-7B7A-43D3-8B79-37D633B846F1}">
-                  <asvg:svgBlip xmlns:asvg="http://schemas.microsoft.com/office/drawing/2016/SVG/main" xmlns="" r:embed="rId7"/>
+                  <asvg:svgBlip xmlns="" xmlns:asvg="http://schemas.microsoft.com/office/drawing/2016/SVG/main" r:embed="rId7"/>
                 </a:ext>
               </a:extLst>
             </a:blip>
@@ -42725,7 +42856,7 @@
                   <a14:useLocalDpi xmlns:a14="http://schemas.microsoft.com/office/drawing/2010/main"/>
                 </a:ext>
                 <a:ext uri="{96DAC541-7B7A-43D3-8B79-37D633B846F1}">
-                  <asvg:svgBlip xmlns:asvg="http://schemas.microsoft.com/office/drawing/2016/SVG/main" xmlns="" r:embed="rId7"/>
+                  <asvg:svgBlip xmlns="" xmlns:asvg="http://schemas.microsoft.com/office/drawing/2016/SVG/main" r:embed="rId7"/>
                 </a:ext>
               </a:extLst>
             </a:blip>
